--- a/Figures/Figures.pptx
+++ b/Figures/Figures.pptx
@@ -5,13 +5,15 @@
     <p:sldMasterId id="2147483648" r:id="rId1"/>
   </p:sldMasterIdLst>
   <p:notesMasterIdLst>
-    <p:notesMasterId r:id="rId6"/>
+    <p:notesMasterId r:id="rId8"/>
   </p:notesMasterIdLst>
   <p:sldIdLst>
-    <p:sldId id="272" r:id="rId2"/>
-    <p:sldId id="275" r:id="rId3"/>
-    <p:sldId id="273" r:id="rId4"/>
-    <p:sldId id="274" r:id="rId5"/>
+    <p:sldId id="275" r:id="rId2"/>
+    <p:sldId id="276" r:id="rId3"/>
+    <p:sldId id="277" r:id="rId4"/>
+    <p:sldId id="273" r:id="rId5"/>
+    <p:sldId id="274" r:id="rId6"/>
+    <p:sldId id="272" r:id="rId7"/>
   </p:sldIdLst>
   <p:sldSz cx="5943600" cy="8229600"/>
   <p:notesSz cx="6858000" cy="9144000"/>
@@ -111,6 +113,24 @@
     </a:lvl9pPr>
   </p:defaultTextStyle>
   <p:extLst>
+    <p:ext uri="{521415D9-36F7-43E2-AB2F-B90AF26B5E84}">
+      <p14:sectionLst xmlns:p14="http://schemas.microsoft.com/office/powerpoint/2010/main">
+        <p14:section name="Default Section" id="{848CB754-66F7-3446-A6C0-51CC91B6AFAB}">
+          <p14:sldIdLst>
+            <p14:sldId id="275"/>
+            <p14:sldId id="276"/>
+            <p14:sldId id="277"/>
+            <p14:sldId id="273"/>
+            <p14:sldId id="274"/>
+          </p14:sldIdLst>
+        </p14:section>
+        <p14:section name="Old" id="{28E358F6-6EC6-A540-9C8A-7EFC1CB119B3}">
+          <p14:sldIdLst>
+            <p14:sldId id="272"/>
+          </p14:sldIdLst>
+        </p14:section>
+      </p14:sectionLst>
+    </p:ext>
     <p:ext uri="{EFAFB233-063F-42B5-8137-9DF3F51BA10A}">
       <p15:sldGuideLst xmlns:p15="http://schemas.microsoft.com/office/powerpoint/2012/main">
         <p15:guide id="1" orient="horz" pos="2592" userDrawn="1">
@@ -543,7 +563,7 @@
           <a:p>
             <a:fld id="{376D916B-349F-EB48-9EFD-90BF24988917}" type="slidenum">
               <a:rPr lang="en-US" smtClean="0"/>
-              <a:t>2</a:t>
+              <a:t>1</a:t>
             </a:fld>
             <a:endParaRPr lang="en-US"/>
           </a:p>
@@ -3529,6 +3549,2526 @@
           <a:chExt cx="0" cy="0"/>
         </a:xfrm>
       </p:grpSpPr>
+      <p:pic>
+        <p:nvPicPr>
+          <p:cNvPr id="16" name="Picture 15" descr="A picture containing screenshot, line, text, electric blue&#10;&#10;Description automatically generated">
+            <a:extLst>
+              <a:ext uri="{FF2B5EF4-FFF2-40B4-BE49-F238E27FC236}">
+                <a16:creationId xmlns:a16="http://schemas.microsoft.com/office/drawing/2014/main" id="{FD0FFD65-0B41-E5E6-CEA0-6D41FC4C12E9}"/>
+              </a:ext>
+            </a:extLst>
+          </p:cNvPr>
+          <p:cNvPicPr>
+            <a:picLocks noChangeAspect="1"/>
+          </p:cNvPicPr>
+          <p:nvPr/>
+        </p:nvPicPr>
+        <p:blipFill>
+          <a:blip r:embed="rId3"/>
+          <a:stretch>
+            <a:fillRect/>
+          </a:stretch>
+        </p:blipFill>
+        <p:spPr>
+          <a:xfrm>
+            <a:off x="2971799" y="834379"/>
+            <a:ext cx="2712973" cy="1476041"/>
+          </a:xfrm>
+          <a:prstGeom prst="rect">
+            <a:avLst/>
+          </a:prstGeom>
+        </p:spPr>
+      </p:pic>
+      <p:pic>
+        <p:nvPicPr>
+          <p:cNvPr id="12" name="Picture 11" descr="A picture containing screenshot, line, circle, diagram&#10;&#10;Description automatically generated">
+            <a:extLst>
+              <a:ext uri="{FF2B5EF4-FFF2-40B4-BE49-F238E27FC236}">
+                <a16:creationId xmlns:a16="http://schemas.microsoft.com/office/drawing/2014/main" id="{E98F2BCD-0670-6E2E-7E23-27649AEBF576}"/>
+              </a:ext>
+            </a:extLst>
+          </p:cNvPr>
+          <p:cNvPicPr>
+            <a:picLocks noChangeAspect="1"/>
+          </p:cNvPicPr>
+          <p:nvPr/>
+        </p:nvPicPr>
+        <p:blipFill>
+          <a:blip r:embed="rId4"/>
+          <a:stretch>
+            <a:fillRect/>
+          </a:stretch>
+        </p:blipFill>
+        <p:spPr>
+          <a:xfrm>
+            <a:off x="78014" y="2403200"/>
+            <a:ext cx="2712973" cy="1488657"/>
+          </a:xfrm>
+          <a:prstGeom prst="rect">
+            <a:avLst/>
+          </a:prstGeom>
+        </p:spPr>
+      </p:pic>
+      <p:pic>
+        <p:nvPicPr>
+          <p:cNvPr id="14" name="Picture 13" descr="A picture containing text, screenshot, colorfulness, line&#10;&#10;Description automatically generated">
+            <a:extLst>
+              <a:ext uri="{FF2B5EF4-FFF2-40B4-BE49-F238E27FC236}">
+                <a16:creationId xmlns:a16="http://schemas.microsoft.com/office/drawing/2014/main" id="{BB744D79-D2CE-196B-17D7-6E582A67AE12}"/>
+              </a:ext>
+            </a:extLst>
+          </p:cNvPr>
+          <p:cNvPicPr>
+            <a:picLocks noChangeAspect="1"/>
+          </p:cNvPicPr>
+          <p:nvPr/>
+        </p:nvPicPr>
+        <p:blipFill>
+          <a:blip r:embed="rId5"/>
+          <a:stretch>
+            <a:fillRect/>
+          </a:stretch>
+        </p:blipFill>
+        <p:spPr>
+          <a:xfrm>
+            <a:off x="101961" y="811392"/>
+            <a:ext cx="2689026" cy="1499028"/>
+          </a:xfrm>
+          <a:prstGeom prst="rect">
+            <a:avLst/>
+          </a:prstGeom>
+        </p:spPr>
+      </p:pic>
+      <p:sp>
+        <p:nvSpPr>
+          <p:cNvPr id="4" name="TextBox 3">
+            <a:extLst>
+              <a:ext uri="{FF2B5EF4-FFF2-40B4-BE49-F238E27FC236}">
+                <a16:creationId xmlns:a16="http://schemas.microsoft.com/office/drawing/2014/main" id="{C81B6487-A5FF-6331-8151-A0BC076530A6}"/>
+              </a:ext>
+            </a:extLst>
+          </p:cNvPr>
+          <p:cNvSpPr txBox="1"/>
+          <p:nvPr/>
+        </p:nvSpPr>
+        <p:spPr>
+          <a:xfrm>
+            <a:off x="2139200" y="0"/>
+            <a:ext cx="1665199" cy="369332"/>
+          </a:xfrm>
+          <a:prstGeom prst="rect">
+            <a:avLst/>
+          </a:prstGeom>
+          <a:noFill/>
+        </p:spPr>
+        <p:txBody>
+          <a:bodyPr wrap="none" rtlCol="0">
+            <a:spAutoFit/>
+          </a:bodyPr>
+          <a:lstStyle/>
+          <a:p>
+            <a:r>
+              <a:rPr lang="en-US" dirty="0"/>
+              <a:t>280 to 1100 nm</a:t>
+            </a:r>
+          </a:p>
+        </p:txBody>
+      </p:sp>
+      <p:sp>
+        <p:nvSpPr>
+          <p:cNvPr id="5" name="TextBox 4">
+            <a:extLst>
+              <a:ext uri="{FF2B5EF4-FFF2-40B4-BE49-F238E27FC236}">
+                <a16:creationId xmlns:a16="http://schemas.microsoft.com/office/drawing/2014/main" id="{A279B6C9-72CD-1BE0-7246-C55CD6D78031}"/>
+              </a:ext>
+            </a:extLst>
+          </p:cNvPr>
+          <p:cNvSpPr txBox="1"/>
+          <p:nvPr/>
+        </p:nvSpPr>
+        <p:spPr>
+          <a:xfrm>
+            <a:off x="0" y="718612"/>
+            <a:ext cx="322524" cy="246221"/>
+          </a:xfrm>
+          <a:prstGeom prst="rect">
+            <a:avLst/>
+          </a:prstGeom>
+          <a:noFill/>
+        </p:spPr>
+        <p:txBody>
+          <a:bodyPr wrap="none" rtlCol="0">
+            <a:spAutoFit/>
+          </a:bodyPr>
+          <a:lstStyle/>
+          <a:p>
+            <a:r>
+              <a:rPr lang="en-US" sz="1000" dirty="0"/>
+              <a:t>(a)</a:t>
+            </a:r>
+          </a:p>
+        </p:txBody>
+      </p:sp>
+      <p:sp>
+        <p:nvSpPr>
+          <p:cNvPr id="6" name="TextBox 5">
+            <a:extLst>
+              <a:ext uri="{FF2B5EF4-FFF2-40B4-BE49-F238E27FC236}">
+                <a16:creationId xmlns:a16="http://schemas.microsoft.com/office/drawing/2014/main" id="{1A9D4EF5-747B-21F9-C452-55EB7D3026D4}"/>
+              </a:ext>
+            </a:extLst>
+          </p:cNvPr>
+          <p:cNvSpPr txBox="1"/>
+          <p:nvPr/>
+        </p:nvSpPr>
+        <p:spPr>
+          <a:xfrm>
+            <a:off x="2900293" y="718612"/>
+            <a:ext cx="328936" cy="246221"/>
+          </a:xfrm>
+          <a:prstGeom prst="rect">
+            <a:avLst/>
+          </a:prstGeom>
+          <a:noFill/>
+        </p:spPr>
+        <p:txBody>
+          <a:bodyPr wrap="none" rtlCol="0">
+            <a:spAutoFit/>
+          </a:bodyPr>
+          <a:lstStyle/>
+          <a:p>
+            <a:r>
+              <a:rPr lang="en-US" sz="1000" dirty="0"/>
+              <a:t>(b)</a:t>
+            </a:r>
+          </a:p>
+        </p:txBody>
+      </p:sp>
+      <p:sp>
+        <p:nvSpPr>
+          <p:cNvPr id="7" name="TextBox 6">
+            <a:extLst>
+              <a:ext uri="{FF2B5EF4-FFF2-40B4-BE49-F238E27FC236}">
+                <a16:creationId xmlns:a16="http://schemas.microsoft.com/office/drawing/2014/main" id="{6518EA7B-92E4-F952-EA0D-C2C5C556BF87}"/>
+              </a:ext>
+            </a:extLst>
+          </p:cNvPr>
+          <p:cNvSpPr txBox="1"/>
+          <p:nvPr/>
+        </p:nvSpPr>
+        <p:spPr>
+          <a:xfrm>
+            <a:off x="-7346" y="2187310"/>
+            <a:ext cx="316112" cy="246221"/>
+          </a:xfrm>
+          <a:prstGeom prst="rect">
+            <a:avLst/>
+          </a:prstGeom>
+          <a:noFill/>
+        </p:spPr>
+        <p:txBody>
+          <a:bodyPr wrap="none" rtlCol="0">
+            <a:spAutoFit/>
+          </a:bodyPr>
+          <a:lstStyle/>
+          <a:p>
+            <a:r>
+              <a:rPr lang="en-US" sz="1000" dirty="0"/>
+              <a:t>(c)</a:t>
+            </a:r>
+          </a:p>
+        </p:txBody>
+      </p:sp>
+      <p:sp>
+        <p:nvSpPr>
+          <p:cNvPr id="8" name="TextBox 7">
+            <a:extLst>
+              <a:ext uri="{FF2B5EF4-FFF2-40B4-BE49-F238E27FC236}">
+                <a16:creationId xmlns:a16="http://schemas.microsoft.com/office/drawing/2014/main" id="{F6FB8034-17DD-A90C-43CE-E0298210338B}"/>
+              </a:ext>
+            </a:extLst>
+          </p:cNvPr>
+          <p:cNvSpPr txBox="1"/>
+          <p:nvPr/>
+        </p:nvSpPr>
+        <p:spPr>
+          <a:xfrm>
+            <a:off x="2900293" y="2187310"/>
+            <a:ext cx="328936" cy="246221"/>
+          </a:xfrm>
+          <a:prstGeom prst="rect">
+            <a:avLst/>
+          </a:prstGeom>
+          <a:noFill/>
+        </p:spPr>
+        <p:txBody>
+          <a:bodyPr wrap="none" rtlCol="0">
+            <a:spAutoFit/>
+          </a:bodyPr>
+          <a:lstStyle/>
+          <a:p>
+            <a:r>
+              <a:rPr lang="en-US" sz="1000" dirty="0"/>
+              <a:t>(d)</a:t>
+            </a:r>
+          </a:p>
+        </p:txBody>
+      </p:sp>
+      <p:pic>
+        <p:nvPicPr>
+          <p:cNvPr id="25" name="Picture 24" descr="A picture containing text, line, diagram, plot&#10;&#10;Description automatically generated">
+            <a:extLst>
+              <a:ext uri="{FF2B5EF4-FFF2-40B4-BE49-F238E27FC236}">
+                <a16:creationId xmlns:a16="http://schemas.microsoft.com/office/drawing/2014/main" id="{976251C3-A272-14B1-3B1B-3AE5ADE47942}"/>
+              </a:ext>
+            </a:extLst>
+          </p:cNvPr>
+          <p:cNvPicPr>
+            <a:picLocks noChangeAspect="1"/>
+          </p:cNvPicPr>
+          <p:nvPr/>
+        </p:nvPicPr>
+        <p:blipFill>
+          <a:blip r:embed="rId6"/>
+          <a:stretch>
+            <a:fillRect/>
+          </a:stretch>
+        </p:blipFill>
+        <p:spPr>
+          <a:xfrm>
+            <a:off x="3152615" y="2310420"/>
+            <a:ext cx="2086457" cy="1538373"/>
+          </a:xfrm>
+          <a:prstGeom prst="rect">
+            <a:avLst/>
+          </a:prstGeom>
+        </p:spPr>
+      </p:pic>
+    </p:spTree>
+    <p:extLst>
+      <p:ext uri="{BB962C8B-B14F-4D97-AF65-F5344CB8AC3E}">
+        <p14:creationId xmlns:p14="http://schemas.microsoft.com/office/powerpoint/2010/main" val="221323442"/>
+      </p:ext>
+    </p:extLst>
+  </p:cSld>
+  <p:clrMapOvr>
+    <a:masterClrMapping/>
+  </p:clrMapOvr>
+</p:sld>
+</file>
+
+<file path=ppt/slides/slide2.xml><?xml version="1.0" encoding="utf-8"?>
+<p:sld xmlns:a="http://schemas.openxmlformats.org/drawingml/2006/main" xmlns:r="http://schemas.openxmlformats.org/officeDocument/2006/relationships" xmlns:p="http://schemas.openxmlformats.org/presentationml/2006/main">
+  <p:cSld>
+    <p:spTree>
+      <p:nvGrpSpPr>
+        <p:cNvPr id="1" name=""/>
+        <p:cNvGrpSpPr/>
+        <p:nvPr/>
+      </p:nvGrpSpPr>
+      <p:grpSpPr>
+        <a:xfrm>
+          <a:off x="0" y="0"/>
+          <a:ext cx="0" cy="0"/>
+          <a:chOff x="0" y="0"/>
+          <a:chExt cx="0" cy="0"/>
+        </a:xfrm>
+      </p:grpSpPr>
+      <p:graphicFrame>
+        <p:nvGraphicFramePr>
+          <p:cNvPr id="4" name="Table 21">
+            <a:extLst>
+              <a:ext uri="{FF2B5EF4-FFF2-40B4-BE49-F238E27FC236}">
+                <a16:creationId xmlns:a16="http://schemas.microsoft.com/office/drawing/2014/main" id="{EDE0AF77-A348-F341-52BE-3260F6114396}"/>
+              </a:ext>
+            </a:extLst>
+          </p:cNvPr>
+          <p:cNvGraphicFramePr>
+            <a:graphicFrameLocks noGrp="1"/>
+          </p:cNvGraphicFramePr>
+          <p:nvPr>
+            <p:extLst>
+              <p:ext uri="{D42A27DB-BD31-4B8C-83A1-F6EECF244321}">
+                <p14:modId xmlns:p14="http://schemas.microsoft.com/office/powerpoint/2010/main" val="1279422046"/>
+              </p:ext>
+            </p:extLst>
+          </p:nvPr>
+        </p:nvGraphicFramePr>
+        <p:xfrm>
+          <a:off x="859971" y="139441"/>
+          <a:ext cx="3962400" cy="4301940"/>
+        </p:xfrm>
+        <a:graphic>
+          <a:graphicData uri="http://schemas.openxmlformats.org/drawingml/2006/table">
+            <a:tbl>
+              <a:tblPr firstRow="1" bandRow="1">
+                <a:tableStyleId>{5C22544A-7EE6-4342-B048-85BDC9FD1C3A}</a:tableStyleId>
+              </a:tblPr>
+              <a:tblGrid>
+                <a:gridCol w="990600">
+                  <a:extLst>
+                    <a:ext uri="{9D8B030D-6E8A-4147-A177-3AD203B41FA5}">
+                      <a16:colId xmlns:a16="http://schemas.microsoft.com/office/drawing/2014/main" val="1488001305"/>
+                    </a:ext>
+                  </a:extLst>
+                </a:gridCol>
+                <a:gridCol w="990600">
+                  <a:extLst>
+                    <a:ext uri="{9D8B030D-6E8A-4147-A177-3AD203B41FA5}">
+                      <a16:colId xmlns:a16="http://schemas.microsoft.com/office/drawing/2014/main" val="3849695759"/>
+                    </a:ext>
+                  </a:extLst>
+                </a:gridCol>
+                <a:gridCol w="990600">
+                  <a:extLst>
+                    <a:ext uri="{9D8B030D-6E8A-4147-A177-3AD203B41FA5}">
+                      <a16:colId xmlns:a16="http://schemas.microsoft.com/office/drawing/2014/main" val="1227553909"/>
+                    </a:ext>
+                  </a:extLst>
+                </a:gridCol>
+                <a:gridCol w="990600">
+                  <a:extLst>
+                    <a:ext uri="{9D8B030D-6E8A-4147-A177-3AD203B41FA5}">
+                      <a16:colId xmlns:a16="http://schemas.microsoft.com/office/drawing/2014/main" val="92498590"/>
+                    </a:ext>
+                  </a:extLst>
+                </a:gridCol>
+              </a:tblGrid>
+              <a:tr h="215097">
+                <a:tc>
+                  <a:txBody>
+                    <a:bodyPr/>
+                    <a:lstStyle/>
+                    <a:p>
+                      <a:pPr algn="l" fontAlgn="b"/>
+                      <a:r>
+                        <a:rPr lang="en-US" sz="1200" b="1" i="0" u="none" strike="noStrike" dirty="0">
+                          <a:solidFill>
+                            <a:srgbClr val="000000"/>
+                          </a:solidFill>
+                          <a:effectLst/>
+                          <a:latin typeface="Calibri" panose="020F0502020204030204" pitchFamily="34" charset="0"/>
+                        </a:rPr>
+                        <a:t>Angle</a:t>
+                      </a:r>
+                    </a:p>
+                  </a:txBody>
+                  <a:tcPr marL="9525" marR="9525" marT="9525" marB="0" anchor="b"/>
+                </a:tc>
+                <a:tc>
+                  <a:txBody>
+                    <a:bodyPr/>
+                    <a:lstStyle/>
+                    <a:p>
+                      <a:pPr algn="l" fontAlgn="b"/>
+                      <a:r>
+                        <a:rPr lang="en-US" sz="1200" b="1" i="0" u="none" strike="noStrike" dirty="0">
+                          <a:solidFill>
+                            <a:srgbClr val="000000"/>
+                          </a:solidFill>
+                          <a:effectLst/>
+                          <a:latin typeface="Calibri" panose="020F0502020204030204" pitchFamily="34" charset="0"/>
+                        </a:rPr>
+                        <a:t>Bare Glass</a:t>
+                      </a:r>
+                    </a:p>
+                  </a:txBody>
+                  <a:tcPr marL="9525" marR="9525" marT="9525" marB="0" anchor="b"/>
+                </a:tc>
+                <a:tc>
+                  <a:txBody>
+                    <a:bodyPr/>
+                    <a:lstStyle/>
+                    <a:p>
+                      <a:pPr algn="l" fontAlgn="b"/>
+                      <a:r>
+                        <a:rPr lang="en-US" sz="1200" b="1" i="0" u="none" strike="noStrike">
+                          <a:solidFill>
+                            <a:srgbClr val="000000"/>
+                          </a:solidFill>
+                          <a:effectLst/>
+                          <a:latin typeface="Calibri" panose="020F0502020204030204" pitchFamily="34" charset="0"/>
+                        </a:rPr>
+                        <a:t>Thin Film</a:t>
+                      </a:r>
+                    </a:p>
+                  </a:txBody>
+                  <a:tcPr marL="9525" marR="9525" marT="9525" marB="0" anchor="b"/>
+                </a:tc>
+                <a:tc>
+                  <a:txBody>
+                    <a:bodyPr/>
+                    <a:lstStyle/>
+                    <a:p>
+                      <a:pPr algn="l" fontAlgn="b"/>
+                      <a:r>
+                        <a:rPr lang="en-US" sz="1200" b="1" i="0" u="none" strike="noStrike">
+                          <a:solidFill>
+                            <a:srgbClr val="000000"/>
+                          </a:solidFill>
+                          <a:effectLst/>
+                          <a:latin typeface="Calibri" panose="020F0502020204030204" pitchFamily="34" charset="0"/>
+                        </a:rPr>
+                        <a:t>GRIN</a:t>
+                      </a:r>
+                    </a:p>
+                  </a:txBody>
+                  <a:tcPr marL="9525" marR="9525" marT="9525" marB="0" anchor="b"/>
+                </a:tc>
+                <a:extLst>
+                  <a:ext uri="{0D108BD9-81ED-4DB2-BD59-A6C34878D82A}">
+                    <a16:rowId xmlns:a16="http://schemas.microsoft.com/office/drawing/2014/main" val="3236888926"/>
+                  </a:ext>
+                </a:extLst>
+              </a:tr>
+              <a:tr h="215097">
+                <a:tc>
+                  <a:txBody>
+                    <a:bodyPr/>
+                    <a:lstStyle/>
+                    <a:p>
+                      <a:pPr algn="r" fontAlgn="b"/>
+                      <a:r>
+                        <a:rPr lang="en-US" sz="1200" b="0" i="0" u="none" strike="noStrike" dirty="0">
+                          <a:solidFill>
+                            <a:srgbClr val="000000"/>
+                          </a:solidFill>
+                          <a:effectLst/>
+                          <a:latin typeface="Calibri" panose="020F0502020204030204" pitchFamily="34" charset="0"/>
+                        </a:rPr>
+                        <a:t>0</a:t>
+                      </a:r>
+                    </a:p>
+                  </a:txBody>
+                  <a:tcPr marL="9525" marR="9525" marT="9525" marB="0" anchor="b"/>
+                </a:tc>
+                <a:tc>
+                  <a:txBody>
+                    <a:bodyPr/>
+                    <a:lstStyle/>
+                    <a:p>
+                      <a:pPr algn="r" fontAlgn="b"/>
+                      <a:r>
+                        <a:rPr lang="en-US" sz="1200" b="0" i="0" u="none" strike="noStrike">
+                          <a:solidFill>
+                            <a:srgbClr val="000000"/>
+                          </a:solidFill>
+                          <a:effectLst/>
+                          <a:latin typeface="Calibri" panose="020F0502020204030204" pitchFamily="34" charset="0"/>
+                        </a:rPr>
+                        <a:t>3.762</a:t>
+                      </a:r>
+                    </a:p>
+                  </a:txBody>
+                  <a:tcPr marL="9525" marR="9525" marT="9525" marB="0" anchor="b"/>
+                </a:tc>
+                <a:tc>
+                  <a:txBody>
+                    <a:bodyPr/>
+                    <a:lstStyle/>
+                    <a:p>
+                      <a:pPr algn="r" fontAlgn="b"/>
+                      <a:r>
+                        <a:rPr lang="en-US" sz="1200" b="0" i="0" u="none" strike="noStrike">
+                          <a:solidFill>
+                            <a:srgbClr val="000000"/>
+                          </a:solidFill>
+                          <a:effectLst/>
+                          <a:latin typeface="Calibri" panose="020F0502020204030204" pitchFamily="34" charset="0"/>
+                        </a:rPr>
+                        <a:t>0.7451</a:t>
+                      </a:r>
+                    </a:p>
+                  </a:txBody>
+                  <a:tcPr marL="9525" marR="9525" marT="9525" marB="0" anchor="b"/>
+                </a:tc>
+                <a:tc>
+                  <a:txBody>
+                    <a:bodyPr/>
+                    <a:lstStyle/>
+                    <a:p>
+                      <a:pPr algn="r" fontAlgn="b"/>
+                      <a:r>
+                        <a:rPr lang="en-US" sz="1200" b="0" i="0" u="none" strike="noStrike">
+                          <a:solidFill>
+                            <a:srgbClr val="000000"/>
+                          </a:solidFill>
+                          <a:effectLst/>
+                          <a:latin typeface="Calibri" panose="020F0502020204030204" pitchFamily="34" charset="0"/>
+                        </a:rPr>
+                        <a:t>0.14262</a:t>
+                      </a:r>
+                    </a:p>
+                  </a:txBody>
+                  <a:tcPr marL="9525" marR="9525" marT="9525" marB="0" anchor="b"/>
+                </a:tc>
+                <a:extLst>
+                  <a:ext uri="{0D108BD9-81ED-4DB2-BD59-A6C34878D82A}">
+                    <a16:rowId xmlns:a16="http://schemas.microsoft.com/office/drawing/2014/main" val="4212538401"/>
+                  </a:ext>
+                </a:extLst>
+              </a:tr>
+              <a:tr h="215097">
+                <a:tc>
+                  <a:txBody>
+                    <a:bodyPr/>
+                    <a:lstStyle/>
+                    <a:p>
+                      <a:pPr algn="r" fontAlgn="b"/>
+                      <a:r>
+                        <a:rPr lang="en-US" sz="1200" b="0" i="0" u="none" strike="noStrike">
+                          <a:solidFill>
+                            <a:srgbClr val="000000"/>
+                          </a:solidFill>
+                          <a:effectLst/>
+                          <a:latin typeface="Calibri" panose="020F0502020204030204" pitchFamily="34" charset="0"/>
+                        </a:rPr>
+                        <a:t>5</a:t>
+                      </a:r>
+                    </a:p>
+                  </a:txBody>
+                  <a:tcPr marL="9525" marR="9525" marT="9525" marB="0" anchor="b"/>
+                </a:tc>
+                <a:tc>
+                  <a:txBody>
+                    <a:bodyPr/>
+                    <a:lstStyle/>
+                    <a:p>
+                      <a:pPr algn="r" fontAlgn="b"/>
+                      <a:r>
+                        <a:rPr lang="en-US" sz="1200" b="0" i="0" u="none" strike="noStrike" dirty="0">
+                          <a:solidFill>
+                            <a:srgbClr val="000000"/>
+                          </a:solidFill>
+                          <a:effectLst/>
+                          <a:latin typeface="Calibri" panose="020F0502020204030204" pitchFamily="34" charset="0"/>
+                        </a:rPr>
+                        <a:t>3.7871</a:t>
+                      </a:r>
+                    </a:p>
+                  </a:txBody>
+                  <a:tcPr marL="9525" marR="9525" marT="9525" marB="0" anchor="b"/>
+                </a:tc>
+                <a:tc>
+                  <a:txBody>
+                    <a:bodyPr/>
+                    <a:lstStyle/>
+                    <a:p>
+                      <a:pPr algn="r" fontAlgn="b"/>
+                      <a:r>
+                        <a:rPr lang="en-US" sz="1200" b="0" i="0" u="none" strike="noStrike">
+                          <a:solidFill>
+                            <a:srgbClr val="000000"/>
+                          </a:solidFill>
+                          <a:effectLst/>
+                          <a:latin typeface="Calibri" panose="020F0502020204030204" pitchFamily="34" charset="0"/>
+                        </a:rPr>
+                        <a:t>0.736</a:t>
+                      </a:r>
+                    </a:p>
+                  </a:txBody>
+                  <a:tcPr marL="9525" marR="9525" marT="9525" marB="0" anchor="b"/>
+                </a:tc>
+                <a:tc>
+                  <a:txBody>
+                    <a:bodyPr/>
+                    <a:lstStyle/>
+                    <a:p>
+                      <a:pPr algn="r" fontAlgn="b"/>
+                      <a:r>
+                        <a:rPr lang="en-US" sz="1200" b="0" i="0" u="none" strike="noStrike">
+                          <a:solidFill>
+                            <a:srgbClr val="000000"/>
+                          </a:solidFill>
+                          <a:effectLst/>
+                          <a:latin typeface="Calibri" panose="020F0502020204030204" pitchFamily="34" charset="0"/>
+                        </a:rPr>
+                        <a:t>0.13747</a:t>
+                      </a:r>
+                    </a:p>
+                  </a:txBody>
+                  <a:tcPr marL="9525" marR="9525" marT="9525" marB="0" anchor="b"/>
+                </a:tc>
+                <a:extLst>
+                  <a:ext uri="{0D108BD9-81ED-4DB2-BD59-A6C34878D82A}">
+                    <a16:rowId xmlns:a16="http://schemas.microsoft.com/office/drawing/2014/main" val="2925588822"/>
+                  </a:ext>
+                </a:extLst>
+              </a:tr>
+              <a:tr h="215097">
+                <a:tc>
+                  <a:txBody>
+                    <a:bodyPr/>
+                    <a:lstStyle/>
+                    <a:p>
+                      <a:pPr algn="r" fontAlgn="b"/>
+                      <a:r>
+                        <a:rPr lang="en-US" sz="1200" b="0" i="0" u="none" strike="noStrike">
+                          <a:solidFill>
+                            <a:srgbClr val="000000"/>
+                          </a:solidFill>
+                          <a:effectLst/>
+                          <a:latin typeface="Calibri" panose="020F0502020204030204" pitchFamily="34" charset="0"/>
+                        </a:rPr>
+                        <a:t>10</a:t>
+                      </a:r>
+                    </a:p>
+                  </a:txBody>
+                  <a:tcPr marL="9525" marR="9525" marT="9525" marB="0" anchor="b"/>
+                </a:tc>
+                <a:tc>
+                  <a:txBody>
+                    <a:bodyPr/>
+                    <a:lstStyle/>
+                    <a:p>
+                      <a:pPr algn="r" fontAlgn="b"/>
+                      <a:r>
+                        <a:rPr lang="en-US" sz="1200" b="0" i="0" u="none" strike="noStrike">
+                          <a:solidFill>
+                            <a:srgbClr val="000000"/>
+                          </a:solidFill>
+                          <a:effectLst/>
+                          <a:latin typeface="Calibri" panose="020F0502020204030204" pitchFamily="34" charset="0"/>
+                        </a:rPr>
+                        <a:t>3.8813</a:t>
+                      </a:r>
+                    </a:p>
+                  </a:txBody>
+                  <a:tcPr marL="9525" marR="9525" marT="9525" marB="0" anchor="b"/>
+                </a:tc>
+                <a:tc>
+                  <a:txBody>
+                    <a:bodyPr/>
+                    <a:lstStyle/>
+                    <a:p>
+                      <a:pPr algn="r" fontAlgn="b"/>
+                      <a:r>
+                        <a:rPr lang="en-US" sz="1200" b="0" i="0" u="none" strike="noStrike">
+                          <a:solidFill>
+                            <a:srgbClr val="000000"/>
+                          </a:solidFill>
+                          <a:effectLst/>
+                          <a:latin typeface="Calibri" panose="020F0502020204030204" pitchFamily="34" charset="0"/>
+                        </a:rPr>
+                        <a:t>0.7246</a:t>
+                      </a:r>
+                    </a:p>
+                  </a:txBody>
+                  <a:tcPr marL="9525" marR="9525" marT="9525" marB="0" anchor="b"/>
+                </a:tc>
+                <a:tc>
+                  <a:txBody>
+                    <a:bodyPr/>
+                    <a:lstStyle/>
+                    <a:p>
+                      <a:pPr algn="r" fontAlgn="b"/>
+                      <a:r>
+                        <a:rPr lang="en-US" sz="1200" b="0" i="0" u="none" strike="noStrike">
+                          <a:solidFill>
+                            <a:srgbClr val="000000"/>
+                          </a:solidFill>
+                          <a:effectLst/>
+                          <a:latin typeface="Calibri" panose="020F0502020204030204" pitchFamily="34" charset="0"/>
+                        </a:rPr>
+                        <a:t>0.13324</a:t>
+                      </a:r>
+                    </a:p>
+                  </a:txBody>
+                  <a:tcPr marL="9525" marR="9525" marT="9525" marB="0" anchor="b"/>
+                </a:tc>
+                <a:extLst>
+                  <a:ext uri="{0D108BD9-81ED-4DB2-BD59-A6C34878D82A}">
+                    <a16:rowId xmlns:a16="http://schemas.microsoft.com/office/drawing/2014/main" val="2786192895"/>
+                  </a:ext>
+                </a:extLst>
+              </a:tr>
+              <a:tr h="215097">
+                <a:tc>
+                  <a:txBody>
+                    <a:bodyPr/>
+                    <a:lstStyle/>
+                    <a:p>
+                      <a:pPr algn="r" fontAlgn="b"/>
+                      <a:r>
+                        <a:rPr lang="en-US" sz="1200" b="0" i="0" u="none" strike="noStrike">
+                          <a:solidFill>
+                            <a:srgbClr val="000000"/>
+                          </a:solidFill>
+                          <a:effectLst/>
+                          <a:latin typeface="Calibri" panose="020F0502020204030204" pitchFamily="34" charset="0"/>
+                        </a:rPr>
+                        <a:t>15</a:t>
+                      </a:r>
+                    </a:p>
+                  </a:txBody>
+                  <a:tcPr marL="9525" marR="9525" marT="9525" marB="0" anchor="b"/>
+                </a:tc>
+                <a:tc>
+                  <a:txBody>
+                    <a:bodyPr/>
+                    <a:lstStyle/>
+                    <a:p>
+                      <a:pPr algn="r" fontAlgn="b"/>
+                      <a:r>
+                        <a:rPr lang="en-US" sz="1200" b="0" i="0" u="none" strike="noStrike">
+                          <a:solidFill>
+                            <a:srgbClr val="000000"/>
+                          </a:solidFill>
+                          <a:effectLst/>
+                          <a:latin typeface="Calibri" panose="020F0502020204030204" pitchFamily="34" charset="0"/>
+                        </a:rPr>
+                        <a:t>4.0642</a:t>
+                      </a:r>
+                    </a:p>
+                  </a:txBody>
+                  <a:tcPr marL="9525" marR="9525" marT="9525" marB="0" anchor="b"/>
+                </a:tc>
+                <a:tc>
+                  <a:txBody>
+                    <a:bodyPr/>
+                    <a:lstStyle/>
+                    <a:p>
+                      <a:pPr algn="r" fontAlgn="b"/>
+                      <a:r>
+                        <a:rPr lang="en-US" sz="1200" b="0" i="0" u="none" strike="noStrike">
+                          <a:solidFill>
+                            <a:srgbClr val="000000"/>
+                          </a:solidFill>
+                          <a:effectLst/>
+                          <a:latin typeface="Calibri" panose="020F0502020204030204" pitchFamily="34" charset="0"/>
+                        </a:rPr>
+                        <a:t>0.71594</a:t>
+                      </a:r>
+                    </a:p>
+                  </a:txBody>
+                  <a:tcPr marL="9525" marR="9525" marT="9525" marB="0" anchor="b"/>
+                </a:tc>
+                <a:tc>
+                  <a:txBody>
+                    <a:bodyPr/>
+                    <a:lstStyle/>
+                    <a:p>
+                      <a:pPr algn="r" fontAlgn="b"/>
+                      <a:r>
+                        <a:rPr lang="en-US" sz="1200" b="0" i="0" u="none" strike="noStrike">
+                          <a:solidFill>
+                            <a:srgbClr val="000000"/>
+                          </a:solidFill>
+                          <a:effectLst/>
+                          <a:latin typeface="Calibri" panose="020F0502020204030204" pitchFamily="34" charset="0"/>
+                        </a:rPr>
+                        <a:t>0.12982</a:t>
+                      </a:r>
+                    </a:p>
+                  </a:txBody>
+                  <a:tcPr marL="9525" marR="9525" marT="9525" marB="0" anchor="b"/>
+                </a:tc>
+                <a:extLst>
+                  <a:ext uri="{0D108BD9-81ED-4DB2-BD59-A6C34878D82A}">
+                    <a16:rowId xmlns:a16="http://schemas.microsoft.com/office/drawing/2014/main" val="3050747321"/>
+                  </a:ext>
+                </a:extLst>
+              </a:tr>
+              <a:tr h="215097">
+                <a:tc>
+                  <a:txBody>
+                    <a:bodyPr/>
+                    <a:lstStyle/>
+                    <a:p>
+                      <a:pPr algn="r" fontAlgn="b"/>
+                      <a:r>
+                        <a:rPr lang="en-US" sz="1200" b="0" i="0" u="none" strike="noStrike">
+                          <a:solidFill>
+                            <a:srgbClr val="000000"/>
+                          </a:solidFill>
+                          <a:effectLst/>
+                          <a:latin typeface="Calibri" panose="020F0502020204030204" pitchFamily="34" charset="0"/>
+                        </a:rPr>
+                        <a:t>20</a:t>
+                      </a:r>
+                    </a:p>
+                  </a:txBody>
+                  <a:tcPr marL="9525" marR="9525" marT="9525" marB="0" anchor="b"/>
+                </a:tc>
+                <a:tc>
+                  <a:txBody>
+                    <a:bodyPr/>
+                    <a:lstStyle/>
+                    <a:p>
+                      <a:pPr algn="r" fontAlgn="b"/>
+                      <a:r>
+                        <a:rPr lang="en-US" sz="1200" b="0" i="0" u="none" strike="noStrike">
+                          <a:solidFill>
+                            <a:srgbClr val="000000"/>
+                          </a:solidFill>
+                          <a:effectLst/>
+                          <a:latin typeface="Calibri" panose="020F0502020204030204" pitchFamily="34" charset="0"/>
+                        </a:rPr>
+                        <a:t>4.3432</a:t>
+                      </a:r>
+                    </a:p>
+                  </a:txBody>
+                  <a:tcPr marL="9525" marR="9525" marT="9525" marB="0" anchor="b"/>
+                </a:tc>
+                <a:tc>
+                  <a:txBody>
+                    <a:bodyPr/>
+                    <a:lstStyle/>
+                    <a:p>
+                      <a:pPr algn="r" fontAlgn="b"/>
+                      <a:r>
+                        <a:rPr lang="en-US" sz="1200" b="0" i="0" u="none" strike="noStrike">
+                          <a:solidFill>
+                            <a:srgbClr val="000000"/>
+                          </a:solidFill>
+                          <a:effectLst/>
+                          <a:latin typeface="Calibri" panose="020F0502020204030204" pitchFamily="34" charset="0"/>
+                        </a:rPr>
+                        <a:t>0.71311</a:t>
+                      </a:r>
+                    </a:p>
+                  </a:txBody>
+                  <a:tcPr marL="9525" marR="9525" marT="9525" marB="0" anchor="b"/>
+                </a:tc>
+                <a:tc>
+                  <a:txBody>
+                    <a:bodyPr/>
+                    <a:lstStyle/>
+                    <a:p>
+                      <a:pPr algn="r" fontAlgn="b"/>
+                      <a:r>
+                        <a:rPr lang="en-US" sz="1200" b="0" i="0" u="none" strike="noStrike">
+                          <a:solidFill>
+                            <a:srgbClr val="000000"/>
+                          </a:solidFill>
+                          <a:effectLst/>
+                          <a:latin typeface="Calibri" panose="020F0502020204030204" pitchFamily="34" charset="0"/>
+                        </a:rPr>
+                        <a:t>0.1274</a:t>
+                      </a:r>
+                    </a:p>
+                  </a:txBody>
+                  <a:tcPr marL="9525" marR="9525" marT="9525" marB="0" anchor="b"/>
+                </a:tc>
+                <a:extLst>
+                  <a:ext uri="{0D108BD9-81ED-4DB2-BD59-A6C34878D82A}">
+                    <a16:rowId xmlns:a16="http://schemas.microsoft.com/office/drawing/2014/main" val="4235397703"/>
+                  </a:ext>
+                </a:extLst>
+              </a:tr>
+              <a:tr h="215097">
+                <a:tc>
+                  <a:txBody>
+                    <a:bodyPr/>
+                    <a:lstStyle/>
+                    <a:p>
+                      <a:pPr algn="r" fontAlgn="b"/>
+                      <a:r>
+                        <a:rPr lang="en-US" sz="1200" b="0" i="0" u="none" strike="noStrike">
+                          <a:solidFill>
+                            <a:srgbClr val="000000"/>
+                          </a:solidFill>
+                          <a:effectLst/>
+                          <a:latin typeface="Calibri" panose="020F0502020204030204" pitchFamily="34" charset="0"/>
+                        </a:rPr>
+                        <a:t>25</a:t>
+                      </a:r>
+                    </a:p>
+                  </a:txBody>
+                  <a:tcPr marL="9525" marR="9525" marT="9525" marB="0" anchor="b"/>
+                </a:tc>
+                <a:tc>
+                  <a:txBody>
+                    <a:bodyPr/>
+                    <a:lstStyle/>
+                    <a:p>
+                      <a:pPr algn="r" fontAlgn="b"/>
+                      <a:r>
+                        <a:rPr lang="en-US" sz="1200" b="0" i="0" u="none" strike="noStrike">
+                          <a:solidFill>
+                            <a:srgbClr val="000000"/>
+                          </a:solidFill>
+                          <a:effectLst/>
+                          <a:latin typeface="Calibri" panose="020F0502020204030204" pitchFamily="34" charset="0"/>
+                        </a:rPr>
+                        <a:t>4.7528</a:t>
+                      </a:r>
+                    </a:p>
+                  </a:txBody>
+                  <a:tcPr marL="9525" marR="9525" marT="9525" marB="0" anchor="b"/>
+                </a:tc>
+                <a:tc>
+                  <a:txBody>
+                    <a:bodyPr/>
+                    <a:lstStyle/>
+                    <a:p>
+                      <a:pPr algn="r" fontAlgn="b"/>
+                      <a:r>
+                        <a:rPr lang="en-US" sz="1200" b="0" i="0" u="none" strike="noStrike">
+                          <a:solidFill>
+                            <a:srgbClr val="000000"/>
+                          </a:solidFill>
+                          <a:effectLst/>
+                          <a:latin typeface="Calibri" panose="020F0502020204030204" pitchFamily="34" charset="0"/>
+                        </a:rPr>
+                        <a:t>0.72318</a:t>
+                      </a:r>
+                    </a:p>
+                  </a:txBody>
+                  <a:tcPr marL="9525" marR="9525" marT="9525" marB="0" anchor="b"/>
+                </a:tc>
+                <a:tc>
+                  <a:txBody>
+                    <a:bodyPr/>
+                    <a:lstStyle/>
+                    <a:p>
+                      <a:pPr algn="r" fontAlgn="b"/>
+                      <a:r>
+                        <a:rPr lang="en-US" sz="1200" b="0" i="0" u="none" strike="noStrike">
+                          <a:solidFill>
+                            <a:srgbClr val="000000"/>
+                          </a:solidFill>
+                          <a:effectLst/>
+                          <a:latin typeface="Calibri" panose="020F0502020204030204" pitchFamily="34" charset="0"/>
+                        </a:rPr>
+                        <a:t>0.12868</a:t>
+                      </a:r>
+                    </a:p>
+                  </a:txBody>
+                  <a:tcPr marL="9525" marR="9525" marT="9525" marB="0" anchor="b"/>
+                </a:tc>
+                <a:extLst>
+                  <a:ext uri="{0D108BD9-81ED-4DB2-BD59-A6C34878D82A}">
+                    <a16:rowId xmlns:a16="http://schemas.microsoft.com/office/drawing/2014/main" val="3426667662"/>
+                  </a:ext>
+                </a:extLst>
+              </a:tr>
+              <a:tr h="215097">
+                <a:tc>
+                  <a:txBody>
+                    <a:bodyPr/>
+                    <a:lstStyle/>
+                    <a:p>
+                      <a:pPr algn="r" fontAlgn="b"/>
+                      <a:r>
+                        <a:rPr lang="en-US" sz="1200" b="0" i="0" u="none" strike="noStrike">
+                          <a:solidFill>
+                            <a:srgbClr val="000000"/>
+                          </a:solidFill>
+                          <a:effectLst/>
+                          <a:latin typeface="Calibri" panose="020F0502020204030204" pitchFamily="34" charset="0"/>
+                        </a:rPr>
+                        <a:t>30</a:t>
+                      </a:r>
+                    </a:p>
+                  </a:txBody>
+                  <a:tcPr marL="9525" marR="9525" marT="9525" marB="0" anchor="b"/>
+                </a:tc>
+                <a:tc>
+                  <a:txBody>
+                    <a:bodyPr/>
+                    <a:lstStyle/>
+                    <a:p>
+                      <a:pPr algn="r" fontAlgn="b"/>
+                      <a:r>
+                        <a:rPr lang="en-US" sz="1200" b="0" i="0" u="none" strike="noStrike">
+                          <a:solidFill>
+                            <a:srgbClr val="000000"/>
+                          </a:solidFill>
+                          <a:effectLst/>
+                          <a:latin typeface="Calibri" panose="020F0502020204030204" pitchFamily="34" charset="0"/>
+                        </a:rPr>
+                        <a:t>5.3192</a:t>
+                      </a:r>
+                    </a:p>
+                  </a:txBody>
+                  <a:tcPr marL="9525" marR="9525" marT="9525" marB="0" anchor="b"/>
+                </a:tc>
+                <a:tc>
+                  <a:txBody>
+                    <a:bodyPr/>
+                    <a:lstStyle/>
+                    <a:p>
+                      <a:pPr algn="r" fontAlgn="b"/>
+                      <a:r>
+                        <a:rPr lang="en-US" sz="1200" b="0" i="0" u="none" strike="noStrike">
+                          <a:solidFill>
+                            <a:srgbClr val="000000"/>
+                          </a:solidFill>
+                          <a:effectLst/>
+                          <a:latin typeface="Calibri" panose="020F0502020204030204" pitchFamily="34" charset="0"/>
+                        </a:rPr>
+                        <a:t>0.75529</a:t>
+                      </a:r>
+                    </a:p>
+                  </a:txBody>
+                  <a:tcPr marL="9525" marR="9525" marT="9525" marB="0" anchor="b"/>
+                </a:tc>
+                <a:tc>
+                  <a:txBody>
+                    <a:bodyPr/>
+                    <a:lstStyle/>
+                    <a:p>
+                      <a:pPr algn="r" fontAlgn="b"/>
+                      <a:r>
+                        <a:rPr lang="en-US" sz="1200" b="0" i="0" u="none" strike="noStrike">
+                          <a:solidFill>
+                            <a:srgbClr val="000000"/>
+                          </a:solidFill>
+                          <a:effectLst/>
+                          <a:latin typeface="Calibri" panose="020F0502020204030204" pitchFamily="34" charset="0"/>
+                        </a:rPr>
+                        <a:t>0.13772</a:t>
+                      </a:r>
+                    </a:p>
+                  </a:txBody>
+                  <a:tcPr marL="9525" marR="9525" marT="9525" marB="0" anchor="b"/>
+                </a:tc>
+                <a:extLst>
+                  <a:ext uri="{0D108BD9-81ED-4DB2-BD59-A6C34878D82A}">
+                    <a16:rowId xmlns:a16="http://schemas.microsoft.com/office/drawing/2014/main" val="3402455954"/>
+                  </a:ext>
+                </a:extLst>
+              </a:tr>
+              <a:tr h="215097">
+                <a:tc>
+                  <a:txBody>
+                    <a:bodyPr/>
+                    <a:lstStyle/>
+                    <a:p>
+                      <a:pPr algn="r" fontAlgn="b"/>
+                      <a:r>
+                        <a:rPr lang="en-US" sz="1200" b="0" i="0" u="none" strike="noStrike">
+                          <a:solidFill>
+                            <a:srgbClr val="000000"/>
+                          </a:solidFill>
+                          <a:effectLst/>
+                          <a:latin typeface="Calibri" panose="020F0502020204030204" pitchFamily="34" charset="0"/>
+                        </a:rPr>
+                        <a:t>35</a:t>
+                      </a:r>
+                    </a:p>
+                  </a:txBody>
+                  <a:tcPr marL="9525" marR="9525" marT="9525" marB="0" anchor="b"/>
+                </a:tc>
+                <a:tc>
+                  <a:txBody>
+                    <a:bodyPr/>
+                    <a:lstStyle/>
+                    <a:p>
+                      <a:pPr algn="r" fontAlgn="b"/>
+                      <a:r>
+                        <a:rPr lang="en-US" sz="1200" b="0" i="0" u="none" strike="noStrike">
+                          <a:solidFill>
+                            <a:srgbClr val="000000"/>
+                          </a:solidFill>
+                          <a:effectLst/>
+                          <a:latin typeface="Calibri" panose="020F0502020204030204" pitchFamily="34" charset="0"/>
+                        </a:rPr>
+                        <a:t>6.1157</a:t>
+                      </a:r>
+                    </a:p>
+                  </a:txBody>
+                  <a:tcPr marL="9525" marR="9525" marT="9525" marB="0" anchor="b"/>
+                </a:tc>
+                <a:tc>
+                  <a:txBody>
+                    <a:bodyPr/>
+                    <a:lstStyle/>
+                    <a:p>
+                      <a:pPr algn="r" fontAlgn="b"/>
+                      <a:r>
+                        <a:rPr lang="en-US" sz="1200" b="0" i="0" u="none" strike="noStrike">
+                          <a:solidFill>
+                            <a:srgbClr val="000000"/>
+                          </a:solidFill>
+                          <a:effectLst/>
+                          <a:latin typeface="Calibri" panose="020F0502020204030204" pitchFamily="34" charset="0"/>
+                        </a:rPr>
+                        <a:t>0.82907</a:t>
+                      </a:r>
+                    </a:p>
+                  </a:txBody>
+                  <a:tcPr marL="9525" marR="9525" marT="9525" marB="0" anchor="b"/>
+                </a:tc>
+                <a:tc>
+                  <a:txBody>
+                    <a:bodyPr/>
+                    <a:lstStyle/>
+                    <a:p>
+                      <a:pPr algn="r" fontAlgn="b"/>
+                      <a:r>
+                        <a:rPr lang="en-US" sz="1200" b="0" i="0" u="none" strike="noStrike">
+                          <a:solidFill>
+                            <a:srgbClr val="000000"/>
+                          </a:solidFill>
+                          <a:effectLst/>
+                          <a:latin typeface="Calibri" panose="020F0502020204030204" pitchFamily="34" charset="0"/>
+                        </a:rPr>
+                        <a:t>0.15878</a:t>
+                      </a:r>
+                    </a:p>
+                  </a:txBody>
+                  <a:tcPr marL="9525" marR="9525" marT="9525" marB="0" anchor="b"/>
+                </a:tc>
+                <a:extLst>
+                  <a:ext uri="{0D108BD9-81ED-4DB2-BD59-A6C34878D82A}">
+                    <a16:rowId xmlns:a16="http://schemas.microsoft.com/office/drawing/2014/main" val="2898838367"/>
+                  </a:ext>
+                </a:extLst>
+              </a:tr>
+              <a:tr h="215097">
+                <a:tc>
+                  <a:txBody>
+                    <a:bodyPr/>
+                    <a:lstStyle/>
+                    <a:p>
+                      <a:pPr algn="r" fontAlgn="b"/>
+                      <a:r>
+                        <a:rPr lang="en-US" sz="1200" b="0" i="0" u="none" strike="noStrike">
+                          <a:solidFill>
+                            <a:srgbClr val="000000"/>
+                          </a:solidFill>
+                          <a:effectLst/>
+                          <a:latin typeface="Calibri" panose="020F0502020204030204" pitchFamily="34" charset="0"/>
+                        </a:rPr>
+                        <a:t>40</a:t>
+                      </a:r>
+                    </a:p>
+                  </a:txBody>
+                  <a:tcPr marL="9525" marR="9525" marT="9525" marB="0" anchor="b"/>
+                </a:tc>
+                <a:tc>
+                  <a:txBody>
+                    <a:bodyPr/>
+                    <a:lstStyle/>
+                    <a:p>
+                      <a:pPr algn="r" fontAlgn="b"/>
+                      <a:r>
+                        <a:rPr lang="en-US" sz="1200" b="0" i="0" u="none" strike="noStrike">
+                          <a:solidFill>
+                            <a:srgbClr val="000000"/>
+                          </a:solidFill>
+                          <a:effectLst/>
+                          <a:latin typeface="Calibri" panose="020F0502020204030204" pitchFamily="34" charset="0"/>
+                        </a:rPr>
+                        <a:t>7.2038</a:t>
+                      </a:r>
+                    </a:p>
+                  </a:txBody>
+                  <a:tcPr marL="9525" marR="9525" marT="9525" marB="0" anchor="b"/>
+                </a:tc>
+                <a:tc>
+                  <a:txBody>
+                    <a:bodyPr/>
+                    <a:lstStyle/>
+                    <a:p>
+                      <a:pPr algn="r" fontAlgn="b"/>
+                      <a:r>
+                        <a:rPr lang="en-US" sz="1200" b="0" i="0" u="none" strike="noStrike">
+                          <a:solidFill>
+                            <a:srgbClr val="000000"/>
+                          </a:solidFill>
+                          <a:effectLst/>
+                          <a:latin typeface="Calibri" panose="020F0502020204030204" pitchFamily="34" charset="0"/>
+                        </a:rPr>
+                        <a:t>0.9689</a:t>
+                      </a:r>
+                    </a:p>
+                  </a:txBody>
+                  <a:tcPr marL="9525" marR="9525" marT="9525" marB="0" anchor="b"/>
+                </a:tc>
+                <a:tc>
+                  <a:txBody>
+                    <a:bodyPr/>
+                    <a:lstStyle/>
+                    <a:p>
+                      <a:pPr algn="r" fontAlgn="b"/>
+                      <a:r>
+                        <a:rPr lang="en-US" sz="1200" b="0" i="0" u="none" strike="noStrike">
+                          <a:solidFill>
+                            <a:srgbClr val="000000"/>
+                          </a:solidFill>
+                          <a:effectLst/>
+                          <a:latin typeface="Calibri" panose="020F0502020204030204" pitchFamily="34" charset="0"/>
+                        </a:rPr>
+                        <a:t>0.19459</a:t>
+                      </a:r>
+                    </a:p>
+                  </a:txBody>
+                  <a:tcPr marL="9525" marR="9525" marT="9525" marB="0" anchor="b"/>
+                </a:tc>
+                <a:extLst>
+                  <a:ext uri="{0D108BD9-81ED-4DB2-BD59-A6C34878D82A}">
+                    <a16:rowId xmlns:a16="http://schemas.microsoft.com/office/drawing/2014/main" val="2194242323"/>
+                  </a:ext>
+                </a:extLst>
+              </a:tr>
+              <a:tr h="215097">
+                <a:tc>
+                  <a:txBody>
+                    <a:bodyPr/>
+                    <a:lstStyle/>
+                    <a:p>
+                      <a:pPr algn="r" fontAlgn="b"/>
+                      <a:r>
+                        <a:rPr lang="en-US" sz="1200" b="0" i="0" u="none" strike="noStrike">
+                          <a:solidFill>
+                            <a:srgbClr val="000000"/>
+                          </a:solidFill>
+                          <a:effectLst/>
+                          <a:latin typeface="Calibri" panose="020F0502020204030204" pitchFamily="34" charset="0"/>
+                        </a:rPr>
+                        <a:t>45</a:t>
+                      </a:r>
+                    </a:p>
+                  </a:txBody>
+                  <a:tcPr marL="9525" marR="9525" marT="9525" marB="0" anchor="b"/>
+                </a:tc>
+                <a:tc>
+                  <a:txBody>
+                    <a:bodyPr/>
+                    <a:lstStyle/>
+                    <a:p>
+                      <a:pPr algn="r" fontAlgn="b"/>
+                      <a:r>
+                        <a:rPr lang="en-US" sz="1200" b="0" i="0" u="none" strike="noStrike">
+                          <a:solidFill>
+                            <a:srgbClr val="000000"/>
+                          </a:solidFill>
+                          <a:effectLst/>
+                          <a:latin typeface="Calibri" panose="020F0502020204030204" pitchFamily="34" charset="0"/>
+                        </a:rPr>
+                        <a:t>8.7193</a:t>
+                      </a:r>
+                    </a:p>
+                  </a:txBody>
+                  <a:tcPr marL="9525" marR="9525" marT="9525" marB="0" anchor="b"/>
+                </a:tc>
+                <a:tc>
+                  <a:txBody>
+                    <a:bodyPr/>
+                    <a:lstStyle/>
+                    <a:p>
+                      <a:pPr algn="r" fontAlgn="b"/>
+                      <a:r>
+                        <a:rPr lang="en-US" sz="1200" b="0" i="0" u="none" strike="noStrike">
+                          <a:solidFill>
+                            <a:srgbClr val="000000"/>
+                          </a:solidFill>
+                          <a:effectLst/>
+                          <a:latin typeface="Calibri" panose="020F0502020204030204" pitchFamily="34" charset="0"/>
+                        </a:rPr>
+                        <a:t>1.2308</a:t>
+                      </a:r>
+                    </a:p>
+                  </a:txBody>
+                  <a:tcPr marL="9525" marR="9525" marT="9525" marB="0" anchor="b"/>
+                </a:tc>
+                <a:tc>
+                  <a:txBody>
+                    <a:bodyPr/>
+                    <a:lstStyle/>
+                    <a:p>
+                      <a:pPr algn="r" fontAlgn="b"/>
+                      <a:r>
+                        <a:rPr lang="en-US" sz="1200" b="0" i="0" u="none" strike="noStrike">
+                          <a:solidFill>
+                            <a:srgbClr val="000000"/>
+                          </a:solidFill>
+                          <a:effectLst/>
+                          <a:latin typeface="Calibri" panose="020F0502020204030204" pitchFamily="34" charset="0"/>
+                        </a:rPr>
+                        <a:t>0.24865</a:t>
+                      </a:r>
+                    </a:p>
+                  </a:txBody>
+                  <a:tcPr marL="9525" marR="9525" marT="9525" marB="0" anchor="b"/>
+                </a:tc>
+                <a:extLst>
+                  <a:ext uri="{0D108BD9-81ED-4DB2-BD59-A6C34878D82A}">
+                    <a16:rowId xmlns:a16="http://schemas.microsoft.com/office/drawing/2014/main" val="2250271594"/>
+                  </a:ext>
+                </a:extLst>
+              </a:tr>
+              <a:tr h="215097">
+                <a:tc>
+                  <a:txBody>
+                    <a:bodyPr/>
+                    <a:lstStyle/>
+                    <a:p>
+                      <a:pPr algn="r" fontAlgn="b"/>
+                      <a:r>
+                        <a:rPr lang="en-US" sz="1200" b="0" i="0" u="none" strike="noStrike">
+                          <a:solidFill>
+                            <a:srgbClr val="000000"/>
+                          </a:solidFill>
+                          <a:effectLst/>
+                          <a:latin typeface="Calibri" panose="020F0502020204030204" pitchFamily="34" charset="0"/>
+                        </a:rPr>
+                        <a:t>50</a:t>
+                      </a:r>
+                    </a:p>
+                  </a:txBody>
+                  <a:tcPr marL="9525" marR="9525" marT="9525" marB="0" anchor="b"/>
+                </a:tc>
+                <a:tc>
+                  <a:txBody>
+                    <a:bodyPr/>
+                    <a:lstStyle/>
+                    <a:p>
+                      <a:pPr algn="r" fontAlgn="b"/>
+                      <a:r>
+                        <a:rPr lang="en-US" sz="1200" b="0" i="0" u="none" strike="noStrike">
+                          <a:solidFill>
+                            <a:srgbClr val="000000"/>
+                          </a:solidFill>
+                          <a:effectLst/>
+                          <a:latin typeface="Calibri" panose="020F0502020204030204" pitchFamily="34" charset="0"/>
+                        </a:rPr>
+                        <a:t>10.781</a:t>
+                      </a:r>
+                    </a:p>
+                  </a:txBody>
+                  <a:tcPr marL="9525" marR="9525" marT="9525" marB="0" anchor="b"/>
+                </a:tc>
+                <a:tc>
+                  <a:txBody>
+                    <a:bodyPr/>
+                    <a:lstStyle/>
+                    <a:p>
+                      <a:pPr algn="r" fontAlgn="b"/>
+                      <a:r>
+                        <a:rPr lang="en-US" sz="1200" b="0" i="0" u="none" strike="noStrike">
+                          <a:solidFill>
+                            <a:srgbClr val="000000"/>
+                          </a:solidFill>
+                          <a:effectLst/>
+                          <a:latin typeface="Calibri" panose="020F0502020204030204" pitchFamily="34" charset="0"/>
+                        </a:rPr>
+                        <a:t>1.6839</a:t>
+                      </a:r>
+                    </a:p>
+                  </a:txBody>
+                  <a:tcPr marL="9525" marR="9525" marT="9525" marB="0" anchor="b"/>
+                </a:tc>
+                <a:tc>
+                  <a:txBody>
+                    <a:bodyPr/>
+                    <a:lstStyle/>
+                    <a:p>
+                      <a:pPr algn="r" fontAlgn="b"/>
+                      <a:r>
+                        <a:rPr lang="en-US" sz="1200" b="0" i="0" u="none" strike="noStrike">
+                          <a:solidFill>
+                            <a:srgbClr val="000000"/>
+                          </a:solidFill>
+                          <a:effectLst/>
+                          <a:latin typeface="Calibri" panose="020F0502020204030204" pitchFamily="34" charset="0"/>
+                        </a:rPr>
+                        <a:t>0.32576</a:t>
+                      </a:r>
+                    </a:p>
+                  </a:txBody>
+                  <a:tcPr marL="9525" marR="9525" marT="9525" marB="0" anchor="b"/>
+                </a:tc>
+                <a:extLst>
+                  <a:ext uri="{0D108BD9-81ED-4DB2-BD59-A6C34878D82A}">
+                    <a16:rowId xmlns:a16="http://schemas.microsoft.com/office/drawing/2014/main" val="3644101382"/>
+                  </a:ext>
+                </a:extLst>
+              </a:tr>
+              <a:tr h="215097">
+                <a:tc>
+                  <a:txBody>
+                    <a:bodyPr/>
+                    <a:lstStyle/>
+                    <a:p>
+                      <a:pPr algn="r" fontAlgn="b"/>
+                      <a:r>
+                        <a:rPr lang="en-US" sz="1200" b="0" i="0" u="none" strike="noStrike">
+                          <a:solidFill>
+                            <a:srgbClr val="000000"/>
+                          </a:solidFill>
+                          <a:effectLst/>
+                          <a:latin typeface="Calibri" panose="020F0502020204030204" pitchFamily="34" charset="0"/>
+                        </a:rPr>
+                        <a:t>55</a:t>
+                      </a:r>
+                    </a:p>
+                  </a:txBody>
+                  <a:tcPr marL="9525" marR="9525" marT="9525" marB="0" anchor="b"/>
+                </a:tc>
+                <a:tc>
+                  <a:txBody>
+                    <a:bodyPr/>
+                    <a:lstStyle/>
+                    <a:p>
+                      <a:pPr algn="r" fontAlgn="b"/>
+                      <a:r>
+                        <a:rPr lang="en-US" sz="1200" b="0" i="0" u="none" strike="noStrike">
+                          <a:solidFill>
+                            <a:srgbClr val="000000"/>
+                          </a:solidFill>
+                          <a:effectLst/>
+                          <a:latin typeface="Calibri" panose="020F0502020204030204" pitchFamily="34" charset="0"/>
+                        </a:rPr>
+                        <a:t>13.702</a:t>
+                      </a:r>
+                    </a:p>
+                  </a:txBody>
+                  <a:tcPr marL="9525" marR="9525" marT="9525" marB="0" anchor="b"/>
+                </a:tc>
+                <a:tc>
+                  <a:txBody>
+                    <a:bodyPr/>
+                    <a:lstStyle/>
+                    <a:p>
+                      <a:pPr algn="r" fontAlgn="b"/>
+                      <a:r>
+                        <a:rPr lang="en-US" sz="1200" b="0" i="0" u="none" strike="noStrike">
+                          <a:solidFill>
+                            <a:srgbClr val="000000"/>
+                          </a:solidFill>
+                          <a:effectLst/>
+                          <a:latin typeface="Calibri" panose="020F0502020204030204" pitchFamily="34" charset="0"/>
+                        </a:rPr>
+                        <a:t>2.4999</a:t>
+                      </a:r>
+                    </a:p>
+                  </a:txBody>
+                  <a:tcPr marL="9525" marR="9525" marT="9525" marB="0" anchor="b"/>
+                </a:tc>
+                <a:tc>
+                  <a:txBody>
+                    <a:bodyPr/>
+                    <a:lstStyle/>
+                    <a:p>
+                      <a:pPr algn="r" fontAlgn="b"/>
+                      <a:r>
+                        <a:rPr lang="en-US" sz="1200" b="0" i="0" u="none" strike="noStrike">
+                          <a:solidFill>
+                            <a:srgbClr val="000000"/>
+                          </a:solidFill>
+                          <a:effectLst/>
+                          <a:latin typeface="Calibri" panose="020F0502020204030204" pitchFamily="34" charset="0"/>
+                        </a:rPr>
+                        <a:t>0.44415</a:t>
+                      </a:r>
+                    </a:p>
+                  </a:txBody>
+                  <a:tcPr marL="9525" marR="9525" marT="9525" marB="0" anchor="b"/>
+                </a:tc>
+                <a:extLst>
+                  <a:ext uri="{0D108BD9-81ED-4DB2-BD59-A6C34878D82A}">
+                    <a16:rowId xmlns:a16="http://schemas.microsoft.com/office/drawing/2014/main" val="4265523552"/>
+                  </a:ext>
+                </a:extLst>
+              </a:tr>
+              <a:tr h="215097">
+                <a:tc>
+                  <a:txBody>
+                    <a:bodyPr/>
+                    <a:lstStyle/>
+                    <a:p>
+                      <a:pPr algn="r" fontAlgn="b"/>
+                      <a:r>
+                        <a:rPr lang="en-US" sz="1200" b="0" i="0" u="none" strike="noStrike">
+                          <a:solidFill>
+                            <a:srgbClr val="000000"/>
+                          </a:solidFill>
+                          <a:effectLst/>
+                          <a:latin typeface="Calibri" panose="020F0502020204030204" pitchFamily="34" charset="0"/>
+                        </a:rPr>
+                        <a:t>60</a:t>
+                      </a:r>
+                    </a:p>
+                  </a:txBody>
+                  <a:tcPr marL="9525" marR="9525" marT="9525" marB="0" anchor="b"/>
+                </a:tc>
+                <a:tc>
+                  <a:txBody>
+                    <a:bodyPr/>
+                    <a:lstStyle/>
+                    <a:p>
+                      <a:pPr algn="r" fontAlgn="b"/>
+                      <a:r>
+                        <a:rPr lang="en-US" sz="1200" b="0" i="0" u="none" strike="noStrike">
+                          <a:solidFill>
+                            <a:srgbClr val="000000"/>
+                          </a:solidFill>
+                          <a:effectLst/>
+                          <a:latin typeface="Calibri" panose="020F0502020204030204" pitchFamily="34" charset="0"/>
+                        </a:rPr>
+                        <a:t>17.716</a:t>
+                      </a:r>
+                    </a:p>
+                  </a:txBody>
+                  <a:tcPr marL="9525" marR="9525" marT="9525" marB="0" anchor="b"/>
+                </a:tc>
+                <a:tc>
+                  <a:txBody>
+                    <a:bodyPr/>
+                    <a:lstStyle/>
+                    <a:p>
+                      <a:pPr algn="r" fontAlgn="b"/>
+                      <a:r>
+                        <a:rPr lang="en-US" sz="1200" b="0" i="0" u="none" strike="noStrike">
+                          <a:solidFill>
+                            <a:srgbClr val="000000"/>
+                          </a:solidFill>
+                          <a:effectLst/>
+                          <a:latin typeface="Calibri" panose="020F0502020204030204" pitchFamily="34" charset="0"/>
+                        </a:rPr>
+                        <a:t>3.8921</a:t>
+                      </a:r>
+                    </a:p>
+                  </a:txBody>
+                  <a:tcPr marL="9525" marR="9525" marT="9525" marB="0" anchor="b"/>
+                </a:tc>
+                <a:tc>
+                  <a:txBody>
+                    <a:bodyPr/>
+                    <a:lstStyle/>
+                    <a:p>
+                      <a:pPr algn="r" fontAlgn="b"/>
+                      <a:r>
+                        <a:rPr lang="en-US" sz="1200" b="0" i="0" u="none" strike="noStrike">
+                          <a:solidFill>
+                            <a:srgbClr val="000000"/>
+                          </a:solidFill>
+                          <a:effectLst/>
+                          <a:latin typeface="Calibri" panose="020F0502020204030204" pitchFamily="34" charset="0"/>
+                        </a:rPr>
+                        <a:t>0.63381</a:t>
+                      </a:r>
+                    </a:p>
+                  </a:txBody>
+                  <a:tcPr marL="9525" marR="9525" marT="9525" marB="0" anchor="b"/>
+                </a:tc>
+                <a:extLst>
+                  <a:ext uri="{0D108BD9-81ED-4DB2-BD59-A6C34878D82A}">
+                    <a16:rowId xmlns:a16="http://schemas.microsoft.com/office/drawing/2014/main" val="423213733"/>
+                  </a:ext>
+                </a:extLst>
+              </a:tr>
+              <a:tr h="215097">
+                <a:tc>
+                  <a:txBody>
+                    <a:bodyPr/>
+                    <a:lstStyle/>
+                    <a:p>
+                      <a:pPr algn="r" fontAlgn="b"/>
+                      <a:r>
+                        <a:rPr lang="en-US" sz="1200" b="0" i="0" u="none" strike="noStrike">
+                          <a:solidFill>
+                            <a:srgbClr val="000000"/>
+                          </a:solidFill>
+                          <a:effectLst/>
+                          <a:latin typeface="Calibri" panose="020F0502020204030204" pitchFamily="34" charset="0"/>
+                        </a:rPr>
+                        <a:t>65</a:t>
+                      </a:r>
+                    </a:p>
+                  </a:txBody>
+                  <a:tcPr marL="9525" marR="9525" marT="9525" marB="0" anchor="b"/>
+                </a:tc>
+                <a:tc>
+                  <a:txBody>
+                    <a:bodyPr/>
+                    <a:lstStyle/>
+                    <a:p>
+                      <a:pPr algn="r" fontAlgn="b"/>
+                      <a:r>
+                        <a:rPr lang="en-US" sz="1200" b="0" i="0" u="none" strike="noStrike">
+                          <a:solidFill>
+                            <a:srgbClr val="000000"/>
+                          </a:solidFill>
+                          <a:effectLst/>
+                          <a:latin typeface="Calibri" panose="020F0502020204030204" pitchFamily="34" charset="0"/>
+                        </a:rPr>
+                        <a:t>23.385</a:t>
+                      </a:r>
+                    </a:p>
+                  </a:txBody>
+                  <a:tcPr marL="9525" marR="9525" marT="9525" marB="0" anchor="b"/>
+                </a:tc>
+                <a:tc>
+                  <a:txBody>
+                    <a:bodyPr/>
+                    <a:lstStyle/>
+                    <a:p>
+                      <a:pPr algn="r" fontAlgn="b"/>
+                      <a:r>
+                        <a:rPr lang="en-US" sz="1200" b="0" i="0" u="none" strike="noStrike">
+                          <a:solidFill>
+                            <a:srgbClr val="000000"/>
+                          </a:solidFill>
+                          <a:effectLst/>
+                          <a:latin typeface="Calibri" panose="020F0502020204030204" pitchFamily="34" charset="0"/>
+                        </a:rPr>
+                        <a:t>6.3747</a:t>
+                      </a:r>
+                    </a:p>
+                  </a:txBody>
+                  <a:tcPr marL="9525" marR="9525" marT="9525" marB="0" anchor="b"/>
+                </a:tc>
+                <a:tc>
+                  <a:txBody>
+                    <a:bodyPr/>
+                    <a:lstStyle/>
+                    <a:p>
+                      <a:pPr algn="r" fontAlgn="b"/>
+                      <a:r>
+                        <a:rPr lang="en-US" sz="1200" b="0" i="0" u="none" strike="noStrike">
+                          <a:solidFill>
+                            <a:srgbClr val="000000"/>
+                          </a:solidFill>
+                          <a:effectLst/>
+                          <a:latin typeface="Calibri" panose="020F0502020204030204" pitchFamily="34" charset="0"/>
+                        </a:rPr>
+                        <a:t>1.0304</a:t>
+                      </a:r>
+                    </a:p>
+                  </a:txBody>
+                  <a:tcPr marL="9525" marR="9525" marT="9525" marB="0" anchor="b"/>
+                </a:tc>
+                <a:extLst>
+                  <a:ext uri="{0D108BD9-81ED-4DB2-BD59-A6C34878D82A}">
+                    <a16:rowId xmlns:a16="http://schemas.microsoft.com/office/drawing/2014/main" val="2252374498"/>
+                  </a:ext>
+                </a:extLst>
+              </a:tr>
+              <a:tr h="215097">
+                <a:tc>
+                  <a:txBody>
+                    <a:bodyPr/>
+                    <a:lstStyle/>
+                    <a:p>
+                      <a:pPr algn="r" fontAlgn="b"/>
+                      <a:r>
+                        <a:rPr lang="en-US" sz="1200" b="0" i="0" u="none" strike="noStrike">
+                          <a:solidFill>
+                            <a:srgbClr val="000000"/>
+                          </a:solidFill>
+                          <a:effectLst/>
+                          <a:latin typeface="Calibri" panose="020F0502020204030204" pitchFamily="34" charset="0"/>
+                        </a:rPr>
+                        <a:t>70</a:t>
+                      </a:r>
+                    </a:p>
+                  </a:txBody>
+                  <a:tcPr marL="9525" marR="9525" marT="9525" marB="0" anchor="b"/>
+                </a:tc>
+                <a:tc>
+                  <a:txBody>
+                    <a:bodyPr/>
+                    <a:lstStyle/>
+                    <a:p>
+                      <a:pPr algn="r" fontAlgn="b"/>
+                      <a:r>
+                        <a:rPr lang="en-US" sz="1200" b="0" i="0" u="none" strike="noStrike">
+                          <a:solidFill>
+                            <a:srgbClr val="000000"/>
+                          </a:solidFill>
+                          <a:effectLst/>
+                          <a:latin typeface="Calibri" panose="020F0502020204030204" pitchFamily="34" charset="0"/>
+                        </a:rPr>
+                        <a:t>31.181</a:t>
+                      </a:r>
+                    </a:p>
+                  </a:txBody>
+                  <a:tcPr marL="9525" marR="9525" marT="9525" marB="0" anchor="b"/>
+                </a:tc>
+                <a:tc>
+                  <a:txBody>
+                    <a:bodyPr/>
+                    <a:lstStyle/>
+                    <a:p>
+                      <a:pPr algn="r" fontAlgn="b"/>
+                      <a:r>
+                        <a:rPr lang="en-US" sz="1200" b="0" i="0" u="none" strike="noStrike">
+                          <a:solidFill>
+                            <a:srgbClr val="000000"/>
+                          </a:solidFill>
+                          <a:effectLst/>
+                          <a:latin typeface="Calibri" panose="020F0502020204030204" pitchFamily="34" charset="0"/>
+                        </a:rPr>
+                        <a:t>10.611</a:t>
+                      </a:r>
+                    </a:p>
+                  </a:txBody>
+                  <a:tcPr marL="9525" marR="9525" marT="9525" marB="0" anchor="b"/>
+                </a:tc>
+                <a:tc>
+                  <a:txBody>
+                    <a:bodyPr/>
+                    <a:lstStyle/>
+                    <a:p>
+                      <a:pPr algn="r" fontAlgn="b"/>
+                      <a:r>
+                        <a:rPr lang="en-US" sz="1200" b="0" i="0" u="none" strike="noStrike">
+                          <a:solidFill>
+                            <a:srgbClr val="000000"/>
+                          </a:solidFill>
+                          <a:effectLst/>
+                          <a:latin typeface="Calibri" panose="020F0502020204030204" pitchFamily="34" charset="0"/>
+                        </a:rPr>
+                        <a:t>1.9855</a:t>
+                      </a:r>
+                    </a:p>
+                  </a:txBody>
+                  <a:tcPr marL="9525" marR="9525" marT="9525" marB="0" anchor="b"/>
+                </a:tc>
+                <a:extLst>
+                  <a:ext uri="{0D108BD9-81ED-4DB2-BD59-A6C34878D82A}">
+                    <a16:rowId xmlns:a16="http://schemas.microsoft.com/office/drawing/2014/main" val="3267025447"/>
+                  </a:ext>
+                </a:extLst>
+              </a:tr>
+              <a:tr h="215097">
+                <a:tc>
+                  <a:txBody>
+                    <a:bodyPr/>
+                    <a:lstStyle/>
+                    <a:p>
+                      <a:pPr algn="r" fontAlgn="b"/>
+                      <a:r>
+                        <a:rPr lang="en-US" sz="1200" b="0" i="0" u="none" strike="noStrike">
+                          <a:solidFill>
+                            <a:srgbClr val="000000"/>
+                          </a:solidFill>
+                          <a:effectLst/>
+                          <a:latin typeface="Calibri" panose="020F0502020204030204" pitchFamily="34" charset="0"/>
+                        </a:rPr>
+                        <a:t>75</a:t>
+                      </a:r>
+                    </a:p>
+                  </a:txBody>
+                  <a:tcPr marL="9525" marR="9525" marT="9525" marB="0" anchor="b"/>
+                </a:tc>
+                <a:tc>
+                  <a:txBody>
+                    <a:bodyPr/>
+                    <a:lstStyle/>
+                    <a:p>
+                      <a:pPr algn="r" fontAlgn="b"/>
+                      <a:r>
+                        <a:rPr lang="en-US" sz="1200" b="0" i="0" u="none" strike="noStrike">
+                          <a:solidFill>
+                            <a:srgbClr val="000000"/>
+                          </a:solidFill>
+                          <a:effectLst/>
+                          <a:latin typeface="Calibri" panose="020F0502020204030204" pitchFamily="34" charset="0"/>
+                        </a:rPr>
+                        <a:t>41.898</a:t>
+                      </a:r>
+                    </a:p>
+                  </a:txBody>
+                  <a:tcPr marL="9525" marR="9525" marT="9525" marB="0" anchor="b"/>
+                </a:tc>
+                <a:tc>
+                  <a:txBody>
+                    <a:bodyPr/>
+                    <a:lstStyle/>
+                    <a:p>
+                      <a:pPr algn="r" fontAlgn="b"/>
+                      <a:r>
+                        <a:rPr lang="en-US" sz="1200" b="0" i="0" u="none" strike="noStrike">
+                          <a:solidFill>
+                            <a:srgbClr val="000000"/>
+                          </a:solidFill>
+                          <a:effectLst/>
+                          <a:latin typeface="Calibri" panose="020F0502020204030204" pitchFamily="34" charset="0"/>
+                        </a:rPr>
+                        <a:t>18.133</a:t>
+                      </a:r>
+                    </a:p>
+                  </a:txBody>
+                  <a:tcPr marL="9525" marR="9525" marT="9525" marB="0" anchor="b"/>
+                </a:tc>
+                <a:tc>
+                  <a:txBody>
+                    <a:bodyPr/>
+                    <a:lstStyle/>
+                    <a:p>
+                      <a:pPr algn="r" fontAlgn="b"/>
+                      <a:r>
+                        <a:rPr lang="en-US" sz="1200" b="0" i="0" u="none" strike="noStrike">
+                          <a:solidFill>
+                            <a:srgbClr val="000000"/>
+                          </a:solidFill>
+                          <a:effectLst/>
+                          <a:latin typeface="Calibri" panose="020F0502020204030204" pitchFamily="34" charset="0"/>
+                        </a:rPr>
+                        <a:t>4.7628</a:t>
+                      </a:r>
+                    </a:p>
+                  </a:txBody>
+                  <a:tcPr marL="9525" marR="9525" marT="9525" marB="0" anchor="b"/>
+                </a:tc>
+                <a:extLst>
+                  <a:ext uri="{0D108BD9-81ED-4DB2-BD59-A6C34878D82A}">
+                    <a16:rowId xmlns:a16="http://schemas.microsoft.com/office/drawing/2014/main" val="509050689"/>
+                  </a:ext>
+                </a:extLst>
+              </a:tr>
+              <a:tr h="215097">
+                <a:tc>
+                  <a:txBody>
+                    <a:bodyPr/>
+                    <a:lstStyle/>
+                    <a:p>
+                      <a:pPr algn="r" fontAlgn="b"/>
+                      <a:r>
+                        <a:rPr lang="en-US" sz="1200" b="0" i="0" u="none" strike="noStrike">
+                          <a:solidFill>
+                            <a:srgbClr val="000000"/>
+                          </a:solidFill>
+                          <a:effectLst/>
+                          <a:latin typeface="Calibri" panose="020F0502020204030204" pitchFamily="34" charset="0"/>
+                        </a:rPr>
+                        <a:t>80</a:t>
+                      </a:r>
+                    </a:p>
+                  </a:txBody>
+                  <a:tcPr marL="9525" marR="9525" marT="9525" marB="0" anchor="b"/>
+                </a:tc>
+                <a:tc>
+                  <a:txBody>
+                    <a:bodyPr/>
+                    <a:lstStyle/>
+                    <a:p>
+                      <a:pPr algn="r" fontAlgn="b"/>
+                      <a:r>
+                        <a:rPr lang="en-US" sz="1200" b="0" i="0" u="none" strike="noStrike">
+                          <a:solidFill>
+                            <a:srgbClr val="000000"/>
+                          </a:solidFill>
+                          <a:effectLst/>
+                          <a:latin typeface="Calibri" panose="020F0502020204030204" pitchFamily="34" charset="0"/>
+                        </a:rPr>
+                        <a:t>53.055</a:t>
+                      </a:r>
+                    </a:p>
+                  </a:txBody>
+                  <a:tcPr marL="9525" marR="9525" marT="9525" marB="0" anchor="b"/>
+                </a:tc>
+                <a:tc>
+                  <a:txBody>
+                    <a:bodyPr/>
+                    <a:lstStyle/>
+                    <a:p>
+                      <a:pPr algn="r" fontAlgn="b"/>
+                      <a:r>
+                        <a:rPr lang="en-US" sz="1200" b="0" i="0" u="none" strike="noStrike">
+                          <a:solidFill>
+                            <a:srgbClr val="000000"/>
+                          </a:solidFill>
+                          <a:effectLst/>
+                          <a:latin typeface="Calibri" panose="020F0502020204030204" pitchFamily="34" charset="0"/>
+                        </a:rPr>
+                        <a:t>30.031</a:t>
+                      </a:r>
+                    </a:p>
+                  </a:txBody>
+                  <a:tcPr marL="9525" marR="9525" marT="9525" marB="0" anchor="b"/>
+                </a:tc>
+                <a:tc>
+                  <a:txBody>
+                    <a:bodyPr/>
+                    <a:lstStyle/>
+                    <a:p>
+                      <a:pPr algn="r" fontAlgn="b"/>
+                      <a:r>
+                        <a:rPr lang="en-US" sz="1200" b="0" i="0" u="none" strike="noStrike">
+                          <a:solidFill>
+                            <a:srgbClr val="000000"/>
+                          </a:solidFill>
+                          <a:effectLst/>
+                          <a:latin typeface="Calibri" panose="020F0502020204030204" pitchFamily="34" charset="0"/>
+                        </a:rPr>
+                        <a:t>11.995</a:t>
+                      </a:r>
+                    </a:p>
+                  </a:txBody>
+                  <a:tcPr marL="9525" marR="9525" marT="9525" marB="0" anchor="b"/>
+                </a:tc>
+                <a:extLst>
+                  <a:ext uri="{0D108BD9-81ED-4DB2-BD59-A6C34878D82A}">
+                    <a16:rowId xmlns:a16="http://schemas.microsoft.com/office/drawing/2014/main" val="3807834272"/>
+                  </a:ext>
+                </a:extLst>
+              </a:tr>
+              <a:tr h="215097">
+                <a:tc>
+                  <a:txBody>
+                    <a:bodyPr/>
+                    <a:lstStyle/>
+                    <a:p>
+                      <a:pPr algn="r" fontAlgn="b"/>
+                      <a:r>
+                        <a:rPr lang="en-US" sz="1200" b="0" i="0" u="none" strike="noStrike">
+                          <a:solidFill>
+                            <a:srgbClr val="000000"/>
+                          </a:solidFill>
+                          <a:effectLst/>
+                          <a:latin typeface="Calibri" panose="020F0502020204030204" pitchFamily="34" charset="0"/>
+                        </a:rPr>
+                        <a:t>85</a:t>
+                      </a:r>
+                    </a:p>
+                  </a:txBody>
+                  <a:tcPr marL="9525" marR="9525" marT="9525" marB="0" anchor="b"/>
+                </a:tc>
+                <a:tc>
+                  <a:txBody>
+                    <a:bodyPr/>
+                    <a:lstStyle/>
+                    <a:p>
+                      <a:pPr algn="r" fontAlgn="b"/>
+                      <a:r>
+                        <a:rPr lang="en-US" sz="1200" b="0" i="0" u="none" strike="noStrike">
+                          <a:solidFill>
+                            <a:srgbClr val="000000"/>
+                          </a:solidFill>
+                          <a:effectLst/>
+                          <a:latin typeface="Calibri" panose="020F0502020204030204" pitchFamily="34" charset="0"/>
+                        </a:rPr>
+                        <a:t>76.545</a:t>
+                      </a:r>
+                    </a:p>
+                  </a:txBody>
+                  <a:tcPr marL="9525" marR="9525" marT="9525" marB="0" anchor="b"/>
+                </a:tc>
+                <a:tc>
+                  <a:txBody>
+                    <a:bodyPr/>
+                    <a:lstStyle/>
+                    <a:p>
+                      <a:pPr algn="r" fontAlgn="b"/>
+                      <a:r>
+                        <a:rPr lang="en-US" sz="1200" b="0" i="0" u="none" strike="noStrike">
+                          <a:solidFill>
+                            <a:srgbClr val="000000"/>
+                          </a:solidFill>
+                          <a:effectLst/>
+                          <a:latin typeface="Calibri" panose="020F0502020204030204" pitchFamily="34" charset="0"/>
+                        </a:rPr>
+                        <a:t>65.032</a:t>
+                      </a:r>
+                    </a:p>
+                  </a:txBody>
+                  <a:tcPr marL="9525" marR="9525" marT="9525" marB="0" anchor="b"/>
+                </a:tc>
+                <a:tc>
+                  <a:txBody>
+                    <a:bodyPr/>
+                    <a:lstStyle/>
+                    <a:p>
+                      <a:pPr algn="r" fontAlgn="b"/>
+                      <a:r>
+                        <a:rPr lang="en-US" sz="1200" b="0" i="0" u="none" strike="noStrike">
+                          <a:solidFill>
+                            <a:srgbClr val="000000"/>
+                          </a:solidFill>
+                          <a:effectLst/>
+                          <a:latin typeface="Calibri" panose="020F0502020204030204" pitchFamily="34" charset="0"/>
+                        </a:rPr>
+                        <a:t>51.681</a:t>
+                      </a:r>
+                    </a:p>
+                  </a:txBody>
+                  <a:tcPr marL="9525" marR="9525" marT="9525" marB="0" anchor="b"/>
+                </a:tc>
+                <a:extLst>
+                  <a:ext uri="{0D108BD9-81ED-4DB2-BD59-A6C34878D82A}">
+                    <a16:rowId xmlns:a16="http://schemas.microsoft.com/office/drawing/2014/main" val="3202339872"/>
+                  </a:ext>
+                </a:extLst>
+              </a:tr>
+              <a:tr h="215097">
+                <a:tc>
+                  <a:txBody>
+                    <a:bodyPr/>
+                    <a:lstStyle/>
+                    <a:p>
+                      <a:pPr algn="r" fontAlgn="b"/>
+                      <a:r>
+                        <a:rPr lang="en-US" sz="1200" b="0" i="0" u="none" strike="noStrike">
+                          <a:solidFill>
+                            <a:srgbClr val="000000"/>
+                          </a:solidFill>
+                          <a:effectLst/>
+                          <a:latin typeface="Calibri" panose="020F0502020204030204" pitchFamily="34" charset="0"/>
+                        </a:rPr>
+                        <a:t>90</a:t>
+                      </a:r>
+                    </a:p>
+                  </a:txBody>
+                  <a:tcPr marL="9525" marR="9525" marT="9525" marB="0" anchor="b"/>
+                </a:tc>
+                <a:tc>
+                  <a:txBody>
+                    <a:bodyPr/>
+                    <a:lstStyle/>
+                    <a:p>
+                      <a:pPr algn="r" fontAlgn="b"/>
+                      <a:r>
+                        <a:rPr lang="en-US" sz="1200" b="0" i="0" u="none" strike="noStrike">
+                          <a:solidFill>
+                            <a:srgbClr val="000000"/>
+                          </a:solidFill>
+                          <a:effectLst/>
+                          <a:latin typeface="Calibri" panose="020F0502020204030204" pitchFamily="34" charset="0"/>
+                        </a:rPr>
+                        <a:t>100</a:t>
+                      </a:r>
+                    </a:p>
+                  </a:txBody>
+                  <a:tcPr marL="9525" marR="9525" marT="9525" marB="0" anchor="b"/>
+                </a:tc>
+                <a:tc>
+                  <a:txBody>
+                    <a:bodyPr/>
+                    <a:lstStyle/>
+                    <a:p>
+                      <a:pPr algn="r" fontAlgn="b"/>
+                      <a:r>
+                        <a:rPr lang="en-US" sz="1200" b="0" i="0" u="none" strike="noStrike">
+                          <a:solidFill>
+                            <a:srgbClr val="000000"/>
+                          </a:solidFill>
+                          <a:effectLst/>
+                          <a:latin typeface="Calibri" panose="020F0502020204030204" pitchFamily="34" charset="0"/>
+                        </a:rPr>
+                        <a:t>100</a:t>
+                      </a:r>
+                    </a:p>
+                  </a:txBody>
+                  <a:tcPr marL="9525" marR="9525" marT="9525" marB="0" anchor="b"/>
+                </a:tc>
+                <a:tc>
+                  <a:txBody>
+                    <a:bodyPr/>
+                    <a:lstStyle/>
+                    <a:p>
+                      <a:pPr algn="r" fontAlgn="b"/>
+                      <a:r>
+                        <a:rPr lang="en-US" sz="1200" b="0" i="0" u="none" strike="noStrike" dirty="0">
+                          <a:solidFill>
+                            <a:srgbClr val="000000"/>
+                          </a:solidFill>
+                          <a:effectLst/>
+                          <a:latin typeface="Calibri" panose="020F0502020204030204" pitchFamily="34" charset="0"/>
+                        </a:rPr>
+                        <a:t>100</a:t>
+                      </a:r>
+                    </a:p>
+                  </a:txBody>
+                  <a:tcPr marL="9525" marR="9525" marT="9525" marB="0" anchor="b"/>
+                </a:tc>
+                <a:extLst>
+                  <a:ext uri="{0D108BD9-81ED-4DB2-BD59-A6C34878D82A}">
+                    <a16:rowId xmlns:a16="http://schemas.microsoft.com/office/drawing/2014/main" val="2930594089"/>
+                  </a:ext>
+                </a:extLst>
+              </a:tr>
+            </a:tbl>
+          </a:graphicData>
+        </a:graphic>
+      </p:graphicFrame>
+    </p:spTree>
+    <p:extLst>
+      <p:ext uri="{BB962C8B-B14F-4D97-AF65-F5344CB8AC3E}">
+        <p14:creationId xmlns:p14="http://schemas.microsoft.com/office/powerpoint/2010/main" val="2736053052"/>
+      </p:ext>
+    </p:extLst>
+  </p:cSld>
+  <p:clrMapOvr>
+    <a:masterClrMapping/>
+  </p:clrMapOvr>
+</p:sld>
+</file>
+
+<file path=ppt/slides/slide3.xml><?xml version="1.0" encoding="utf-8"?>
+<p:sld xmlns:a="http://schemas.openxmlformats.org/drawingml/2006/main" xmlns:r="http://schemas.openxmlformats.org/officeDocument/2006/relationships" xmlns:p="http://schemas.openxmlformats.org/presentationml/2006/main">
+  <p:cSld>
+    <p:spTree>
+      <p:nvGrpSpPr>
+        <p:cNvPr id="1" name=""/>
+        <p:cNvGrpSpPr/>
+        <p:nvPr/>
+      </p:nvGrpSpPr>
+      <p:grpSpPr>
+        <a:xfrm>
+          <a:off x="0" y="0"/>
+          <a:ext cx="0" cy="0"/>
+          <a:chOff x="0" y="0"/>
+          <a:chExt cx="0" cy="0"/>
+        </a:xfrm>
+      </p:grpSpPr>
+      <p:pic>
+        <p:nvPicPr>
+          <p:cNvPr id="5" name="Picture 4" descr="A diagram of a graph&#10;&#10;Description automatically generated with low confidence">
+            <a:extLst>
+              <a:ext uri="{FF2B5EF4-FFF2-40B4-BE49-F238E27FC236}">
+                <a16:creationId xmlns:a16="http://schemas.microsoft.com/office/drawing/2014/main" id="{BE80272C-345A-C9F1-EC79-F1E5F41B53E2}"/>
+              </a:ext>
+            </a:extLst>
+          </p:cNvPr>
+          <p:cNvPicPr>
+            <a:picLocks noChangeAspect="1"/>
+          </p:cNvPicPr>
+          <p:nvPr/>
+        </p:nvPicPr>
+        <p:blipFill>
+          <a:blip r:embed="rId2"/>
+          <a:stretch>
+            <a:fillRect/>
+          </a:stretch>
+        </p:blipFill>
+        <p:spPr>
+          <a:xfrm>
+            <a:off x="98916" y="1243166"/>
+            <a:ext cx="2606040" cy="1528618"/>
+          </a:xfrm>
+          <a:prstGeom prst="rect">
+            <a:avLst/>
+          </a:prstGeom>
+        </p:spPr>
+      </p:pic>
+      <p:sp>
+        <p:nvSpPr>
+          <p:cNvPr id="6" name="TextBox 5">
+            <a:extLst>
+              <a:ext uri="{FF2B5EF4-FFF2-40B4-BE49-F238E27FC236}">
+                <a16:creationId xmlns:a16="http://schemas.microsoft.com/office/drawing/2014/main" id="{C02CCB11-82B2-5D66-10D1-803C00C32AFC}"/>
+              </a:ext>
+            </a:extLst>
+          </p:cNvPr>
+          <p:cNvSpPr txBox="1"/>
+          <p:nvPr/>
+        </p:nvSpPr>
+        <p:spPr>
+          <a:xfrm>
+            <a:off x="781397" y="0"/>
+            <a:ext cx="952505" cy="369332"/>
+          </a:xfrm>
+          <a:prstGeom prst="rect">
+            <a:avLst/>
+          </a:prstGeom>
+          <a:noFill/>
+        </p:spPr>
+        <p:txBody>
+          <a:bodyPr wrap="none" rtlCol="0">
+            <a:spAutoFit/>
+          </a:bodyPr>
+          <a:lstStyle/>
+          <a:p>
+            <a:r>
+              <a:rPr lang="en-US" dirty="0"/>
+              <a:t>Chennai</a:t>
+            </a:r>
+          </a:p>
+        </p:txBody>
+      </p:sp>
+      <p:sp>
+        <p:nvSpPr>
+          <p:cNvPr id="7" name="TextBox 6">
+            <a:extLst>
+              <a:ext uri="{FF2B5EF4-FFF2-40B4-BE49-F238E27FC236}">
+                <a16:creationId xmlns:a16="http://schemas.microsoft.com/office/drawing/2014/main" id="{0D41CB75-CEFF-ADA3-406C-9C12F651A28B}"/>
+              </a:ext>
+            </a:extLst>
+          </p:cNvPr>
+          <p:cNvSpPr txBox="1"/>
+          <p:nvPr/>
+        </p:nvSpPr>
+        <p:spPr>
+          <a:xfrm>
+            <a:off x="0" y="1171511"/>
+            <a:ext cx="322524" cy="246221"/>
+          </a:xfrm>
+          <a:prstGeom prst="rect">
+            <a:avLst/>
+          </a:prstGeom>
+          <a:noFill/>
+        </p:spPr>
+        <p:txBody>
+          <a:bodyPr wrap="none" rtlCol="0">
+            <a:spAutoFit/>
+          </a:bodyPr>
+          <a:lstStyle/>
+          <a:p>
+            <a:r>
+              <a:rPr lang="en-US" sz="1000" dirty="0"/>
+              <a:t>(a)</a:t>
+            </a:r>
+          </a:p>
+        </p:txBody>
+      </p:sp>
+    </p:spTree>
+    <p:extLst>
+      <p:ext uri="{BB962C8B-B14F-4D97-AF65-F5344CB8AC3E}">
+        <p14:creationId xmlns:p14="http://schemas.microsoft.com/office/powerpoint/2010/main" val="166873140"/>
+      </p:ext>
+    </p:extLst>
+  </p:cSld>
+  <p:clrMapOvr>
+    <a:masterClrMapping/>
+  </p:clrMapOvr>
+</p:sld>
+</file>
+
+<file path=ppt/slides/slide4.xml><?xml version="1.0" encoding="utf-8"?>
+<p:sld xmlns:a="http://schemas.openxmlformats.org/drawingml/2006/main" xmlns:r="http://schemas.openxmlformats.org/officeDocument/2006/relationships" xmlns:p="http://schemas.openxmlformats.org/presentationml/2006/main">
+  <p:cSld>
+    <p:spTree>
+      <p:nvGrpSpPr>
+        <p:cNvPr id="1" name=""/>
+        <p:cNvGrpSpPr/>
+        <p:nvPr/>
+      </p:nvGrpSpPr>
+      <p:grpSpPr>
+        <a:xfrm>
+          <a:off x="0" y="0"/>
+          <a:ext cx="0" cy="0"/>
+          <a:chOff x="0" y="0"/>
+          <a:chExt cx="0" cy="0"/>
+        </a:xfrm>
+      </p:grpSpPr>
+      <p:pic>
+        <p:nvPicPr>
+          <p:cNvPr id="4" name="Picture 3">
+            <a:extLst>
+              <a:ext uri="{FF2B5EF4-FFF2-40B4-BE49-F238E27FC236}">
+                <a16:creationId xmlns:a16="http://schemas.microsoft.com/office/drawing/2014/main" id="{DCB0D0C6-0A9F-1245-755D-1E671F518377}"/>
+              </a:ext>
+            </a:extLst>
+          </p:cNvPr>
+          <p:cNvPicPr>
+            <a:picLocks noChangeAspect="1"/>
+          </p:cNvPicPr>
+          <p:nvPr/>
+        </p:nvPicPr>
+        <p:blipFill>
+          <a:blip r:embed="rId2">
+            <a:extLst>
+              <a:ext uri="{28A0092B-C50C-407E-A947-70E740481C1C}">
+                <a14:useLocalDpi xmlns:a14="http://schemas.microsoft.com/office/drawing/2010/main" val="0"/>
+              </a:ext>
+            </a:extLst>
+          </a:blip>
+          <a:srcRect/>
+          <a:stretch>
+            <a:fillRect/>
+          </a:stretch>
+        </p:blipFill>
+        <p:spPr bwMode="auto">
+          <a:xfrm>
+            <a:off x="146050" y="2568892"/>
+            <a:ext cx="5651500" cy="3091815"/>
+          </a:xfrm>
+          <a:prstGeom prst="rect">
+            <a:avLst/>
+          </a:prstGeom>
+          <a:noFill/>
+        </p:spPr>
+      </p:pic>
+    </p:spTree>
+    <p:extLst>
+      <p:ext uri="{BB962C8B-B14F-4D97-AF65-F5344CB8AC3E}">
+        <p14:creationId xmlns:p14="http://schemas.microsoft.com/office/powerpoint/2010/main" val="537668009"/>
+      </p:ext>
+    </p:extLst>
+  </p:cSld>
+  <p:clrMapOvr>
+    <a:masterClrMapping/>
+  </p:clrMapOvr>
+</p:sld>
+</file>
+
+<file path=ppt/slides/slide5.xml><?xml version="1.0" encoding="utf-8"?>
+<p:sld xmlns:a="http://schemas.openxmlformats.org/drawingml/2006/main" xmlns:r="http://schemas.openxmlformats.org/officeDocument/2006/relationships" xmlns:p="http://schemas.openxmlformats.org/presentationml/2006/main">
+  <p:cSld>
+    <p:spTree>
+      <p:nvGrpSpPr>
+        <p:cNvPr id="1" name=""/>
+        <p:cNvGrpSpPr/>
+        <p:nvPr/>
+      </p:nvGrpSpPr>
+      <p:grpSpPr>
+        <a:xfrm>
+          <a:off x="0" y="0"/>
+          <a:ext cx="0" cy="0"/>
+          <a:chOff x="0" y="0"/>
+          <a:chExt cx="0" cy="0"/>
+        </a:xfrm>
+      </p:grpSpPr>
+      <p:sp>
+        <p:nvSpPr>
+          <p:cNvPr id="2" name="Title 1">
+            <a:extLst>
+              <a:ext uri="{FF2B5EF4-FFF2-40B4-BE49-F238E27FC236}">
+                <a16:creationId xmlns:a16="http://schemas.microsoft.com/office/drawing/2014/main" id="{D2520BCB-DBF3-4074-1771-BA23B2EA0439}"/>
+              </a:ext>
+            </a:extLst>
+          </p:cNvPr>
+          <p:cNvSpPr>
+            <a:spLocks noGrp="1"/>
+          </p:cNvSpPr>
+          <p:nvPr>
+            <p:ph type="title"/>
+          </p:nvPr>
+        </p:nvSpPr>
+        <p:spPr/>
+        <p:txBody>
+          <a:bodyPr/>
+          <a:lstStyle/>
+          <a:p>
+            <a:endParaRPr lang="en-US"/>
+          </a:p>
+        </p:txBody>
+      </p:sp>
+      <p:pic>
+        <p:nvPicPr>
+          <p:cNvPr id="4" name="Picture 3">
+            <a:extLst>
+              <a:ext uri="{FF2B5EF4-FFF2-40B4-BE49-F238E27FC236}">
+                <a16:creationId xmlns:a16="http://schemas.microsoft.com/office/drawing/2014/main" id="{C7E157CD-0355-7A4B-38BE-28B5DC324360}"/>
+              </a:ext>
+            </a:extLst>
+          </p:cNvPr>
+          <p:cNvPicPr>
+            <a:picLocks noChangeAspect="1"/>
+          </p:cNvPicPr>
+          <p:nvPr/>
+        </p:nvPicPr>
+        <p:blipFill rotWithShape="1">
+          <a:blip r:embed="rId2">
+            <a:extLst>
+              <a:ext uri="{28A0092B-C50C-407E-A947-70E740481C1C}">
+                <a14:useLocalDpi xmlns:a14="http://schemas.microsoft.com/office/drawing/2010/main" val="0"/>
+              </a:ext>
+            </a:extLst>
+          </a:blip>
+          <a:srcRect l="24699" t="17236" r="57852" b="11436"/>
+          <a:stretch/>
+        </p:blipFill>
+        <p:spPr bwMode="auto">
+          <a:xfrm>
+            <a:off x="781274" y="2832847"/>
+            <a:ext cx="986118" cy="2205318"/>
+          </a:xfrm>
+          <a:prstGeom prst="rect">
+            <a:avLst/>
+          </a:prstGeom>
+          <a:noFill/>
+        </p:spPr>
+      </p:pic>
+      <p:pic>
+        <p:nvPicPr>
+          <p:cNvPr id="6" name="Picture 5">
+            <a:extLst>
+              <a:ext uri="{FF2B5EF4-FFF2-40B4-BE49-F238E27FC236}">
+                <a16:creationId xmlns:a16="http://schemas.microsoft.com/office/drawing/2014/main" id="{DE4AC326-7E95-DBFE-F59A-EB95632B4381}"/>
+              </a:ext>
+            </a:extLst>
+          </p:cNvPr>
+          <p:cNvPicPr>
+            <a:picLocks noChangeAspect="1"/>
+          </p:cNvPicPr>
+          <p:nvPr/>
+        </p:nvPicPr>
+        <p:blipFill rotWithShape="1">
+          <a:blip r:embed="rId2">
+            <a:extLst>
+              <a:ext uri="{28A0092B-C50C-407E-A947-70E740481C1C}">
+                <a14:useLocalDpi xmlns:a14="http://schemas.microsoft.com/office/drawing/2010/main" val="0"/>
+              </a:ext>
+            </a:extLst>
+          </a:blip>
+          <a:srcRect l="59702" t="14917" r="22849"/>
+          <a:stretch/>
+        </p:blipFill>
+        <p:spPr bwMode="auto">
+          <a:xfrm>
+            <a:off x="1906494" y="2761129"/>
+            <a:ext cx="986118" cy="2630636"/>
+          </a:xfrm>
+          <a:prstGeom prst="rect">
+            <a:avLst/>
+          </a:prstGeom>
+          <a:noFill/>
+        </p:spPr>
+      </p:pic>
+      <p:pic>
+        <p:nvPicPr>
+          <p:cNvPr id="7" name="Picture 6">
+            <a:extLst>
+              <a:ext uri="{FF2B5EF4-FFF2-40B4-BE49-F238E27FC236}">
+                <a16:creationId xmlns:a16="http://schemas.microsoft.com/office/drawing/2014/main" id="{C014A1DB-19F8-D8B0-4DEB-7EBFDE02E152}"/>
+              </a:ext>
+            </a:extLst>
+          </p:cNvPr>
+          <p:cNvPicPr>
+            <a:picLocks noChangeAspect="1"/>
+          </p:cNvPicPr>
+          <p:nvPr/>
+        </p:nvPicPr>
+        <p:blipFill rotWithShape="1">
+          <a:blip r:embed="rId2">
+            <a:extLst>
+              <a:ext uri="{28A0092B-C50C-407E-A947-70E740481C1C}">
+                <a14:useLocalDpi xmlns:a14="http://schemas.microsoft.com/office/drawing/2010/main" val="0"/>
+              </a:ext>
+            </a:extLst>
+          </a:blip>
+          <a:srcRect r="93173"/>
+          <a:stretch/>
+        </p:blipFill>
+        <p:spPr bwMode="auto">
+          <a:xfrm>
+            <a:off x="394447" y="2299950"/>
+            <a:ext cx="386827" cy="3099601"/>
+          </a:xfrm>
+          <a:prstGeom prst="rect">
+            <a:avLst/>
+          </a:prstGeom>
+          <a:noFill/>
+        </p:spPr>
+      </p:pic>
+    </p:spTree>
+    <p:extLst>
+      <p:ext uri="{BB962C8B-B14F-4D97-AF65-F5344CB8AC3E}">
+        <p14:creationId xmlns:p14="http://schemas.microsoft.com/office/powerpoint/2010/main" val="90105018"/>
+      </p:ext>
+    </p:extLst>
+  </p:cSld>
+  <p:clrMapOvr>
+    <a:masterClrMapping/>
+  </p:clrMapOvr>
+</p:sld>
+</file>
+
+<file path=ppt/slides/slide6.xml><?xml version="1.0" encoding="utf-8"?>
+<p:sld xmlns:a="http://schemas.openxmlformats.org/drawingml/2006/main" xmlns:r="http://schemas.openxmlformats.org/officeDocument/2006/relationships" xmlns:p="http://schemas.openxmlformats.org/presentationml/2006/main">
+  <p:cSld>
+    <p:spTree>
+      <p:nvGrpSpPr>
+        <p:cNvPr id="1" name=""/>
+        <p:cNvGrpSpPr/>
+        <p:nvPr/>
+      </p:nvGrpSpPr>
+      <p:grpSpPr>
+        <a:xfrm>
+          <a:off x="0" y="0"/>
+          <a:ext cx="0" cy="0"/>
+          <a:chOff x="0" y="0"/>
+          <a:chExt cx="0" cy="0"/>
+        </a:xfrm>
+      </p:grpSpPr>
       <p:grpSp>
         <p:nvGrpSpPr>
           <p:cNvPr id="7" name="Group 6">
@@ -3831,563 +6371,7 @@
     </p:spTree>
     <p:extLst>
       <p:ext uri="{BB962C8B-B14F-4D97-AF65-F5344CB8AC3E}">
-        <p14:creationId xmlns:p14="http://schemas.microsoft.com/office/powerpoint/2010/main" val="3106924472"/>
-      </p:ext>
-    </p:extLst>
-  </p:cSld>
-  <p:clrMapOvr>
-    <a:masterClrMapping/>
-  </p:clrMapOvr>
-</p:sld>
-</file>
-
-<file path=ppt/slides/slide2.xml><?xml version="1.0" encoding="utf-8"?>
-<p:sld xmlns:a="http://schemas.openxmlformats.org/drawingml/2006/main" xmlns:r="http://schemas.openxmlformats.org/officeDocument/2006/relationships" xmlns:p="http://schemas.openxmlformats.org/presentationml/2006/main">
-  <p:cSld>
-    <p:spTree>
-      <p:nvGrpSpPr>
-        <p:cNvPr id="1" name=""/>
-        <p:cNvGrpSpPr/>
-        <p:nvPr/>
-      </p:nvGrpSpPr>
-      <p:grpSpPr>
-        <a:xfrm>
-          <a:off x="0" y="0"/>
-          <a:ext cx="0" cy="0"/>
-          <a:chOff x="0" y="0"/>
-          <a:chExt cx="0" cy="0"/>
-        </a:xfrm>
-      </p:grpSpPr>
-      <p:pic>
-        <p:nvPicPr>
-          <p:cNvPr id="16" name="Picture 15" descr="A picture containing screenshot, line, text, electric blue&#10;&#10;Description automatically generated">
-            <a:extLst>
-              <a:ext uri="{FF2B5EF4-FFF2-40B4-BE49-F238E27FC236}">
-                <a16:creationId xmlns:a16="http://schemas.microsoft.com/office/drawing/2014/main" id="{FD0FFD65-0B41-E5E6-CEA0-6D41FC4C12E9}"/>
-              </a:ext>
-            </a:extLst>
-          </p:cNvPr>
-          <p:cNvPicPr>
-            <a:picLocks noChangeAspect="1"/>
-          </p:cNvPicPr>
-          <p:nvPr/>
-        </p:nvPicPr>
-        <p:blipFill>
-          <a:blip r:embed="rId3"/>
-          <a:stretch>
-            <a:fillRect/>
-          </a:stretch>
-        </p:blipFill>
-        <p:spPr>
-          <a:xfrm>
-            <a:off x="2971799" y="834379"/>
-            <a:ext cx="2712973" cy="1476041"/>
-          </a:xfrm>
-          <a:prstGeom prst="rect">
-            <a:avLst/>
-          </a:prstGeom>
-        </p:spPr>
-      </p:pic>
-      <p:pic>
-        <p:nvPicPr>
-          <p:cNvPr id="12" name="Picture 11" descr="A picture containing screenshot, line, circle, diagram&#10;&#10;Description automatically generated">
-            <a:extLst>
-              <a:ext uri="{FF2B5EF4-FFF2-40B4-BE49-F238E27FC236}">
-                <a16:creationId xmlns:a16="http://schemas.microsoft.com/office/drawing/2014/main" id="{E98F2BCD-0670-6E2E-7E23-27649AEBF576}"/>
-              </a:ext>
-            </a:extLst>
-          </p:cNvPr>
-          <p:cNvPicPr>
-            <a:picLocks noChangeAspect="1"/>
-          </p:cNvPicPr>
-          <p:nvPr/>
-        </p:nvPicPr>
-        <p:blipFill>
-          <a:blip r:embed="rId4"/>
-          <a:stretch>
-            <a:fillRect/>
-          </a:stretch>
-        </p:blipFill>
-        <p:spPr>
-          <a:xfrm>
-            <a:off x="78014" y="2403200"/>
-            <a:ext cx="2712973" cy="1488657"/>
-          </a:xfrm>
-          <a:prstGeom prst="rect">
-            <a:avLst/>
-          </a:prstGeom>
-        </p:spPr>
-      </p:pic>
-      <p:pic>
-        <p:nvPicPr>
-          <p:cNvPr id="14" name="Picture 13" descr="A picture containing text, screenshot, colorfulness, line&#10;&#10;Description automatically generated">
-            <a:extLst>
-              <a:ext uri="{FF2B5EF4-FFF2-40B4-BE49-F238E27FC236}">
-                <a16:creationId xmlns:a16="http://schemas.microsoft.com/office/drawing/2014/main" id="{BB744D79-D2CE-196B-17D7-6E582A67AE12}"/>
-              </a:ext>
-            </a:extLst>
-          </p:cNvPr>
-          <p:cNvPicPr>
-            <a:picLocks noChangeAspect="1"/>
-          </p:cNvPicPr>
-          <p:nvPr/>
-        </p:nvPicPr>
-        <p:blipFill>
-          <a:blip r:embed="rId5"/>
-          <a:stretch>
-            <a:fillRect/>
-          </a:stretch>
-        </p:blipFill>
-        <p:spPr>
-          <a:xfrm>
-            <a:off x="101961" y="811392"/>
-            <a:ext cx="2689026" cy="1499028"/>
-          </a:xfrm>
-          <a:prstGeom prst="rect">
-            <a:avLst/>
-          </a:prstGeom>
-        </p:spPr>
-      </p:pic>
-      <p:sp>
-        <p:nvSpPr>
-          <p:cNvPr id="4" name="TextBox 3">
-            <a:extLst>
-              <a:ext uri="{FF2B5EF4-FFF2-40B4-BE49-F238E27FC236}">
-                <a16:creationId xmlns:a16="http://schemas.microsoft.com/office/drawing/2014/main" id="{C81B6487-A5FF-6331-8151-A0BC076530A6}"/>
-              </a:ext>
-            </a:extLst>
-          </p:cNvPr>
-          <p:cNvSpPr txBox="1"/>
-          <p:nvPr/>
-        </p:nvSpPr>
-        <p:spPr>
-          <a:xfrm>
-            <a:off x="2139200" y="0"/>
-            <a:ext cx="1665199" cy="369332"/>
-          </a:xfrm>
-          <a:prstGeom prst="rect">
-            <a:avLst/>
-          </a:prstGeom>
-          <a:noFill/>
-        </p:spPr>
-        <p:txBody>
-          <a:bodyPr wrap="none" rtlCol="0">
-            <a:spAutoFit/>
-          </a:bodyPr>
-          <a:lstStyle/>
-          <a:p>
-            <a:r>
-              <a:rPr lang="en-US" dirty="0"/>
-              <a:t>280 to 1100 nm</a:t>
-            </a:r>
-          </a:p>
-        </p:txBody>
-      </p:sp>
-      <p:sp>
-        <p:nvSpPr>
-          <p:cNvPr id="5" name="TextBox 4">
-            <a:extLst>
-              <a:ext uri="{FF2B5EF4-FFF2-40B4-BE49-F238E27FC236}">
-                <a16:creationId xmlns:a16="http://schemas.microsoft.com/office/drawing/2014/main" id="{A279B6C9-72CD-1BE0-7246-C55CD6D78031}"/>
-              </a:ext>
-            </a:extLst>
-          </p:cNvPr>
-          <p:cNvSpPr txBox="1"/>
-          <p:nvPr/>
-        </p:nvSpPr>
-        <p:spPr>
-          <a:xfrm>
-            <a:off x="0" y="718612"/>
-            <a:ext cx="322524" cy="246221"/>
-          </a:xfrm>
-          <a:prstGeom prst="rect">
-            <a:avLst/>
-          </a:prstGeom>
-          <a:noFill/>
-        </p:spPr>
-        <p:txBody>
-          <a:bodyPr wrap="none" rtlCol="0">
-            <a:spAutoFit/>
-          </a:bodyPr>
-          <a:lstStyle/>
-          <a:p>
-            <a:r>
-              <a:rPr lang="en-US" sz="1000" dirty="0"/>
-              <a:t>(a)</a:t>
-            </a:r>
-          </a:p>
-        </p:txBody>
-      </p:sp>
-      <p:sp>
-        <p:nvSpPr>
-          <p:cNvPr id="6" name="TextBox 5">
-            <a:extLst>
-              <a:ext uri="{FF2B5EF4-FFF2-40B4-BE49-F238E27FC236}">
-                <a16:creationId xmlns:a16="http://schemas.microsoft.com/office/drawing/2014/main" id="{1A9D4EF5-747B-21F9-C452-55EB7D3026D4}"/>
-              </a:ext>
-            </a:extLst>
-          </p:cNvPr>
-          <p:cNvSpPr txBox="1"/>
-          <p:nvPr/>
-        </p:nvSpPr>
-        <p:spPr>
-          <a:xfrm>
-            <a:off x="2900293" y="718612"/>
-            <a:ext cx="328936" cy="246221"/>
-          </a:xfrm>
-          <a:prstGeom prst="rect">
-            <a:avLst/>
-          </a:prstGeom>
-          <a:noFill/>
-        </p:spPr>
-        <p:txBody>
-          <a:bodyPr wrap="none" rtlCol="0">
-            <a:spAutoFit/>
-          </a:bodyPr>
-          <a:lstStyle/>
-          <a:p>
-            <a:r>
-              <a:rPr lang="en-US" sz="1000" dirty="0"/>
-              <a:t>(b)</a:t>
-            </a:r>
-          </a:p>
-        </p:txBody>
-      </p:sp>
-      <p:sp>
-        <p:nvSpPr>
-          <p:cNvPr id="7" name="TextBox 6">
-            <a:extLst>
-              <a:ext uri="{FF2B5EF4-FFF2-40B4-BE49-F238E27FC236}">
-                <a16:creationId xmlns:a16="http://schemas.microsoft.com/office/drawing/2014/main" id="{6518EA7B-92E4-F952-EA0D-C2C5C556BF87}"/>
-              </a:ext>
-            </a:extLst>
-          </p:cNvPr>
-          <p:cNvSpPr txBox="1"/>
-          <p:nvPr/>
-        </p:nvSpPr>
-        <p:spPr>
-          <a:xfrm>
-            <a:off x="-7346" y="2187310"/>
-            <a:ext cx="316112" cy="246221"/>
-          </a:xfrm>
-          <a:prstGeom prst="rect">
-            <a:avLst/>
-          </a:prstGeom>
-          <a:noFill/>
-        </p:spPr>
-        <p:txBody>
-          <a:bodyPr wrap="none" rtlCol="0">
-            <a:spAutoFit/>
-          </a:bodyPr>
-          <a:lstStyle/>
-          <a:p>
-            <a:r>
-              <a:rPr lang="en-US" sz="1000" dirty="0"/>
-              <a:t>(c)</a:t>
-            </a:r>
-          </a:p>
-        </p:txBody>
-      </p:sp>
-      <p:sp>
-        <p:nvSpPr>
-          <p:cNvPr id="8" name="TextBox 7">
-            <a:extLst>
-              <a:ext uri="{FF2B5EF4-FFF2-40B4-BE49-F238E27FC236}">
-                <a16:creationId xmlns:a16="http://schemas.microsoft.com/office/drawing/2014/main" id="{F6FB8034-17DD-A90C-43CE-E0298210338B}"/>
-              </a:ext>
-            </a:extLst>
-          </p:cNvPr>
-          <p:cNvSpPr txBox="1"/>
-          <p:nvPr/>
-        </p:nvSpPr>
-        <p:spPr>
-          <a:xfrm>
-            <a:off x="2900293" y="2187310"/>
-            <a:ext cx="328936" cy="246221"/>
-          </a:xfrm>
-          <a:prstGeom prst="rect">
-            <a:avLst/>
-          </a:prstGeom>
-          <a:noFill/>
-        </p:spPr>
-        <p:txBody>
-          <a:bodyPr wrap="none" rtlCol="0">
-            <a:spAutoFit/>
-          </a:bodyPr>
-          <a:lstStyle/>
-          <a:p>
-            <a:r>
-              <a:rPr lang="en-US" sz="1000" dirty="0"/>
-              <a:t>(d)</a:t>
-            </a:r>
-          </a:p>
-        </p:txBody>
-      </p:sp>
-      <p:pic>
-        <p:nvPicPr>
-          <p:cNvPr id="18" name="Picture 17" descr="A picture containing text, line, diagram, screenshot&#10;&#10;Description automatically generated">
-            <a:extLst>
-              <a:ext uri="{FF2B5EF4-FFF2-40B4-BE49-F238E27FC236}">
-                <a16:creationId xmlns:a16="http://schemas.microsoft.com/office/drawing/2014/main" id="{17F3F903-7E27-2119-BC80-9240C3F002F2}"/>
-              </a:ext>
-            </a:extLst>
-          </p:cNvPr>
-          <p:cNvPicPr>
-            <a:picLocks noChangeAspect="1"/>
-          </p:cNvPicPr>
-          <p:nvPr/>
-        </p:nvPicPr>
-        <p:blipFill>
-          <a:blip r:embed="rId6"/>
-          <a:stretch>
-            <a:fillRect/>
-          </a:stretch>
-        </p:blipFill>
-        <p:spPr>
-          <a:xfrm>
-            <a:off x="3196572" y="2310419"/>
-            <a:ext cx="2153285" cy="1587809"/>
-          </a:xfrm>
-          <a:prstGeom prst="rect">
-            <a:avLst/>
-          </a:prstGeom>
-        </p:spPr>
-      </p:pic>
-    </p:spTree>
-    <p:extLst>
-      <p:ext uri="{BB962C8B-B14F-4D97-AF65-F5344CB8AC3E}">
-        <p14:creationId xmlns:p14="http://schemas.microsoft.com/office/powerpoint/2010/main" val="221323442"/>
-      </p:ext>
-    </p:extLst>
-  </p:cSld>
-  <p:clrMapOvr>
-    <a:masterClrMapping/>
-  </p:clrMapOvr>
-</p:sld>
-</file>
-
-<file path=ppt/slides/slide3.xml><?xml version="1.0" encoding="utf-8"?>
-<p:sld xmlns:a="http://schemas.openxmlformats.org/drawingml/2006/main" xmlns:r="http://schemas.openxmlformats.org/officeDocument/2006/relationships" xmlns:p="http://schemas.openxmlformats.org/presentationml/2006/main">
-  <p:cSld>
-    <p:spTree>
-      <p:nvGrpSpPr>
-        <p:cNvPr id="1" name=""/>
-        <p:cNvGrpSpPr/>
-        <p:nvPr/>
-      </p:nvGrpSpPr>
-      <p:grpSpPr>
-        <a:xfrm>
-          <a:off x="0" y="0"/>
-          <a:ext cx="0" cy="0"/>
-          <a:chOff x="0" y="0"/>
-          <a:chExt cx="0" cy="0"/>
-        </a:xfrm>
-      </p:grpSpPr>
-      <p:pic>
-        <p:nvPicPr>
-          <p:cNvPr id="4" name="Picture 3">
-            <a:extLst>
-              <a:ext uri="{FF2B5EF4-FFF2-40B4-BE49-F238E27FC236}">
-                <a16:creationId xmlns:a16="http://schemas.microsoft.com/office/drawing/2014/main" id="{DCB0D0C6-0A9F-1245-755D-1E671F518377}"/>
-              </a:ext>
-            </a:extLst>
-          </p:cNvPr>
-          <p:cNvPicPr>
-            <a:picLocks noChangeAspect="1"/>
-          </p:cNvPicPr>
-          <p:nvPr/>
-        </p:nvPicPr>
-        <p:blipFill>
-          <a:blip r:embed="rId2">
-            <a:extLst>
-              <a:ext uri="{28A0092B-C50C-407E-A947-70E740481C1C}">
-                <a14:useLocalDpi xmlns:a14="http://schemas.microsoft.com/office/drawing/2010/main" val="0"/>
-              </a:ext>
-            </a:extLst>
-          </a:blip>
-          <a:srcRect/>
-          <a:stretch>
-            <a:fillRect/>
-          </a:stretch>
-        </p:blipFill>
-        <p:spPr bwMode="auto">
-          <a:xfrm>
-            <a:off x="146050" y="2568892"/>
-            <a:ext cx="5651500" cy="3091815"/>
-          </a:xfrm>
-          <a:prstGeom prst="rect">
-            <a:avLst/>
-          </a:prstGeom>
-          <a:noFill/>
-        </p:spPr>
-      </p:pic>
-    </p:spTree>
-    <p:extLst>
-      <p:ext uri="{BB962C8B-B14F-4D97-AF65-F5344CB8AC3E}">
-        <p14:creationId xmlns:p14="http://schemas.microsoft.com/office/powerpoint/2010/main" val="537668009"/>
-      </p:ext>
-    </p:extLst>
-  </p:cSld>
-  <p:clrMapOvr>
-    <a:masterClrMapping/>
-  </p:clrMapOvr>
-</p:sld>
-</file>
-
-<file path=ppt/slides/slide4.xml><?xml version="1.0" encoding="utf-8"?>
-<p:sld xmlns:a="http://schemas.openxmlformats.org/drawingml/2006/main" xmlns:r="http://schemas.openxmlformats.org/officeDocument/2006/relationships" xmlns:p="http://schemas.openxmlformats.org/presentationml/2006/main">
-  <p:cSld>
-    <p:spTree>
-      <p:nvGrpSpPr>
-        <p:cNvPr id="1" name=""/>
-        <p:cNvGrpSpPr/>
-        <p:nvPr/>
-      </p:nvGrpSpPr>
-      <p:grpSpPr>
-        <a:xfrm>
-          <a:off x="0" y="0"/>
-          <a:ext cx="0" cy="0"/>
-          <a:chOff x="0" y="0"/>
-          <a:chExt cx="0" cy="0"/>
-        </a:xfrm>
-      </p:grpSpPr>
-      <p:sp>
-        <p:nvSpPr>
-          <p:cNvPr id="2" name="Title 1">
-            <a:extLst>
-              <a:ext uri="{FF2B5EF4-FFF2-40B4-BE49-F238E27FC236}">
-                <a16:creationId xmlns:a16="http://schemas.microsoft.com/office/drawing/2014/main" id="{D2520BCB-DBF3-4074-1771-BA23B2EA0439}"/>
-              </a:ext>
-            </a:extLst>
-          </p:cNvPr>
-          <p:cNvSpPr>
-            <a:spLocks noGrp="1"/>
-          </p:cNvSpPr>
-          <p:nvPr>
-            <p:ph type="title"/>
-          </p:nvPr>
-        </p:nvSpPr>
-        <p:spPr/>
-        <p:txBody>
-          <a:bodyPr/>
-          <a:lstStyle/>
-          <a:p>
-            <a:endParaRPr lang="en-US"/>
-          </a:p>
-        </p:txBody>
-      </p:sp>
-      <p:pic>
-        <p:nvPicPr>
-          <p:cNvPr id="4" name="Picture 3">
-            <a:extLst>
-              <a:ext uri="{FF2B5EF4-FFF2-40B4-BE49-F238E27FC236}">
-                <a16:creationId xmlns:a16="http://schemas.microsoft.com/office/drawing/2014/main" id="{C7E157CD-0355-7A4B-38BE-28B5DC324360}"/>
-              </a:ext>
-            </a:extLst>
-          </p:cNvPr>
-          <p:cNvPicPr>
-            <a:picLocks noChangeAspect="1"/>
-          </p:cNvPicPr>
-          <p:nvPr/>
-        </p:nvPicPr>
-        <p:blipFill rotWithShape="1">
-          <a:blip r:embed="rId2">
-            <a:extLst>
-              <a:ext uri="{28A0092B-C50C-407E-A947-70E740481C1C}">
-                <a14:useLocalDpi xmlns:a14="http://schemas.microsoft.com/office/drawing/2010/main" val="0"/>
-              </a:ext>
-            </a:extLst>
-          </a:blip>
-          <a:srcRect l="24699" t="17236" r="57852" b="11436"/>
-          <a:stretch/>
-        </p:blipFill>
-        <p:spPr bwMode="auto">
-          <a:xfrm>
-            <a:off x="781274" y="2832847"/>
-            <a:ext cx="986118" cy="2205318"/>
-          </a:xfrm>
-          <a:prstGeom prst="rect">
-            <a:avLst/>
-          </a:prstGeom>
-          <a:noFill/>
-        </p:spPr>
-      </p:pic>
-      <p:pic>
-        <p:nvPicPr>
-          <p:cNvPr id="6" name="Picture 5">
-            <a:extLst>
-              <a:ext uri="{FF2B5EF4-FFF2-40B4-BE49-F238E27FC236}">
-                <a16:creationId xmlns:a16="http://schemas.microsoft.com/office/drawing/2014/main" id="{DE4AC326-7E95-DBFE-F59A-EB95632B4381}"/>
-              </a:ext>
-            </a:extLst>
-          </p:cNvPr>
-          <p:cNvPicPr>
-            <a:picLocks noChangeAspect="1"/>
-          </p:cNvPicPr>
-          <p:nvPr/>
-        </p:nvPicPr>
-        <p:blipFill rotWithShape="1">
-          <a:blip r:embed="rId2">
-            <a:extLst>
-              <a:ext uri="{28A0092B-C50C-407E-A947-70E740481C1C}">
-                <a14:useLocalDpi xmlns:a14="http://schemas.microsoft.com/office/drawing/2010/main" val="0"/>
-              </a:ext>
-            </a:extLst>
-          </a:blip>
-          <a:srcRect l="59702" t="14917" r="22849"/>
-          <a:stretch/>
-        </p:blipFill>
-        <p:spPr bwMode="auto">
-          <a:xfrm>
-            <a:off x="1906494" y="2761129"/>
-            <a:ext cx="986118" cy="2630636"/>
-          </a:xfrm>
-          <a:prstGeom prst="rect">
-            <a:avLst/>
-          </a:prstGeom>
-          <a:noFill/>
-        </p:spPr>
-      </p:pic>
-      <p:pic>
-        <p:nvPicPr>
-          <p:cNvPr id="7" name="Picture 6">
-            <a:extLst>
-              <a:ext uri="{FF2B5EF4-FFF2-40B4-BE49-F238E27FC236}">
-                <a16:creationId xmlns:a16="http://schemas.microsoft.com/office/drawing/2014/main" id="{C014A1DB-19F8-D8B0-4DEB-7EBFDE02E152}"/>
-              </a:ext>
-            </a:extLst>
-          </p:cNvPr>
-          <p:cNvPicPr>
-            <a:picLocks noChangeAspect="1"/>
-          </p:cNvPicPr>
-          <p:nvPr/>
-        </p:nvPicPr>
-        <p:blipFill rotWithShape="1">
-          <a:blip r:embed="rId2">
-            <a:extLst>
-              <a:ext uri="{28A0092B-C50C-407E-A947-70E740481C1C}">
-                <a14:useLocalDpi xmlns:a14="http://schemas.microsoft.com/office/drawing/2010/main" val="0"/>
-              </a:ext>
-            </a:extLst>
-          </a:blip>
-          <a:srcRect r="93173"/>
-          <a:stretch/>
-        </p:blipFill>
-        <p:spPr bwMode="auto">
-          <a:xfrm>
-            <a:off x="394447" y="2299950"/>
-            <a:ext cx="386827" cy="3099601"/>
-          </a:xfrm>
-          <a:prstGeom prst="rect">
-            <a:avLst/>
-          </a:prstGeom>
-          <a:noFill/>
-        </p:spPr>
-      </p:pic>
-    </p:spTree>
-    <p:extLst>
-      <p:ext uri="{BB962C8B-B14F-4D97-AF65-F5344CB8AC3E}">
-        <p14:creationId xmlns:p14="http://schemas.microsoft.com/office/powerpoint/2010/main" val="90105018"/>
+        <p14:creationId xmlns:p14="http://schemas.microsoft.com/office/powerpoint/2010/main" val="3385524221"/>
       </p:ext>
     </p:extLst>
   </p:cSld>
